--- a/Troy Tech - Presentation/TROY- Hasan OZKARA.pptx
+++ b/Troy Tech - Presentation/TROY- Hasan OZKARA.pptx
@@ -1410,6 +1410,13 @@
         </dgm:presLayoutVars>
       </dgm:prSet>
       <dgm:spPr/>
+      <dgm:t>
+        <a:bodyPr/>
+        <a:lstStyle/>
+        <a:p>
+          <a:endParaRPr lang="tr-TR"/>
+        </a:p>
+      </dgm:t>
     </dgm:pt>
     <dgm:pt modelId="{BAC9F71A-3F72-42F3-952D-5C30727656E7}" type="pres">
       <dgm:prSet presAssocID="{77BA990C-0398-456E-9D74-FAC9E07339F0}" presName="hierRoot1" presStyleCnt="0">
@@ -1434,10 +1441,24 @@
           <a:avLst/>
         </a:prstGeom>
       </dgm:spPr>
+      <dgm:t>
+        <a:bodyPr/>
+        <a:lstStyle/>
+        <a:p>
+          <a:endParaRPr lang="tr-TR"/>
+        </a:p>
+      </dgm:t>
     </dgm:pt>
     <dgm:pt modelId="{DCA1ADA4-61C1-4135-B609-E23EE7F97FE2}" type="pres">
       <dgm:prSet presAssocID="{77BA990C-0398-456E-9D74-FAC9E07339F0}" presName="rootConnector1" presStyleLbl="node1" presStyleIdx="0" presStyleCnt="0"/>
       <dgm:spPr/>
+      <dgm:t>
+        <a:bodyPr/>
+        <a:lstStyle/>
+        <a:p>
+          <a:endParaRPr lang="tr-TR"/>
+        </a:p>
+      </dgm:t>
     </dgm:pt>
     <dgm:pt modelId="{FF8E693E-C59F-4167-8A92-70A4DC130264}" type="pres">
       <dgm:prSet presAssocID="{77BA990C-0398-456E-9D74-FAC9E07339F0}" presName="hierChild2" presStyleCnt="0"/>
@@ -1446,6 +1467,13 @@
     <dgm:pt modelId="{AA1D558E-0DFE-4583-B987-43D3624C652F}" type="pres">
       <dgm:prSet presAssocID="{98C8625D-B9A8-4274-94E8-F0002872EF47}" presName="Name64" presStyleLbl="parChTrans1D2" presStyleIdx="0" presStyleCnt="5"/>
       <dgm:spPr/>
+      <dgm:t>
+        <a:bodyPr/>
+        <a:lstStyle/>
+        <a:p>
+          <a:endParaRPr lang="tr-TR"/>
+        </a:p>
+      </dgm:t>
     </dgm:pt>
     <dgm:pt modelId="{F401DFB6-8266-4994-A1B5-E7830A8F884C}" type="pres">
       <dgm:prSet presAssocID="{C5A52C3C-516C-49EB-B53A-85E44A8B01E6}" presName="hierRoot2" presStyleCnt="0">
@@ -1470,10 +1498,24 @@
           <a:avLst/>
         </a:prstGeom>
       </dgm:spPr>
+      <dgm:t>
+        <a:bodyPr/>
+        <a:lstStyle/>
+        <a:p>
+          <a:endParaRPr lang="tr-TR"/>
+        </a:p>
+      </dgm:t>
     </dgm:pt>
     <dgm:pt modelId="{F4BA7B4E-2265-4467-BC93-CFB84752CFC1}" type="pres">
       <dgm:prSet presAssocID="{C5A52C3C-516C-49EB-B53A-85E44A8B01E6}" presName="rootConnector" presStyleLbl="node2" presStyleIdx="0" presStyleCnt="5"/>
       <dgm:spPr/>
+      <dgm:t>
+        <a:bodyPr/>
+        <a:lstStyle/>
+        <a:p>
+          <a:endParaRPr lang="tr-TR"/>
+        </a:p>
+      </dgm:t>
     </dgm:pt>
     <dgm:pt modelId="{7B561803-60B9-436E-9762-F606A5127075}" type="pres">
       <dgm:prSet presAssocID="{C5A52C3C-516C-49EB-B53A-85E44A8B01E6}" presName="hierChild4" presStyleCnt="0"/>
@@ -1486,6 +1528,13 @@
     <dgm:pt modelId="{A990EB11-FBC6-485D-8394-240A25755CC9}" type="pres">
       <dgm:prSet presAssocID="{BD601D84-C718-4B80-BA56-F7D51CBD8DA3}" presName="Name64" presStyleLbl="parChTrans1D2" presStyleIdx="1" presStyleCnt="5"/>
       <dgm:spPr/>
+      <dgm:t>
+        <a:bodyPr/>
+        <a:lstStyle/>
+        <a:p>
+          <a:endParaRPr lang="tr-TR"/>
+        </a:p>
+      </dgm:t>
     </dgm:pt>
     <dgm:pt modelId="{078333BA-3781-4F61-BFCB-2E4EDE2F88E4}" type="pres">
       <dgm:prSet presAssocID="{A40624F3-BAB0-409A-A2F9-8C1EFBA432E1}" presName="hierRoot2" presStyleCnt="0">
@@ -1510,10 +1559,24 @@
           <a:avLst/>
         </a:prstGeom>
       </dgm:spPr>
+      <dgm:t>
+        <a:bodyPr/>
+        <a:lstStyle/>
+        <a:p>
+          <a:endParaRPr lang="tr-TR"/>
+        </a:p>
+      </dgm:t>
     </dgm:pt>
     <dgm:pt modelId="{8746B1D7-3EB8-41A4-B28E-4ACD1EB6DD01}" type="pres">
       <dgm:prSet presAssocID="{A40624F3-BAB0-409A-A2F9-8C1EFBA432E1}" presName="rootConnector" presStyleLbl="node2" presStyleIdx="1" presStyleCnt="5"/>
       <dgm:spPr/>
+      <dgm:t>
+        <a:bodyPr/>
+        <a:lstStyle/>
+        <a:p>
+          <a:endParaRPr lang="tr-TR"/>
+        </a:p>
+      </dgm:t>
     </dgm:pt>
     <dgm:pt modelId="{5C706587-2AF4-43DA-A948-F2CDC3CDE302}" type="pres">
       <dgm:prSet presAssocID="{A40624F3-BAB0-409A-A2F9-8C1EFBA432E1}" presName="hierChild4" presStyleCnt="0"/>
@@ -1526,6 +1589,13 @@
     <dgm:pt modelId="{97128350-B3C0-4C9E-89F4-6BDE72DBC174}" type="pres">
       <dgm:prSet presAssocID="{63716B79-7F2F-48D1-B7D2-526B611527B1}" presName="Name64" presStyleLbl="parChTrans1D2" presStyleIdx="2" presStyleCnt="5"/>
       <dgm:spPr/>
+      <dgm:t>
+        <a:bodyPr/>
+        <a:lstStyle/>
+        <a:p>
+          <a:endParaRPr lang="tr-TR"/>
+        </a:p>
+      </dgm:t>
     </dgm:pt>
     <dgm:pt modelId="{3F08C4DB-0978-4474-AA4A-9E2FDBB95156}" type="pres">
       <dgm:prSet presAssocID="{7D20A739-850C-4971-AEA7-5627178D4468}" presName="hierRoot2" presStyleCnt="0">
@@ -1550,10 +1620,24 @@
           <a:avLst/>
         </a:prstGeom>
       </dgm:spPr>
+      <dgm:t>
+        <a:bodyPr/>
+        <a:lstStyle/>
+        <a:p>
+          <a:endParaRPr lang="tr-TR"/>
+        </a:p>
+      </dgm:t>
     </dgm:pt>
     <dgm:pt modelId="{62498E8C-A237-4364-B00E-2A6507DC9257}" type="pres">
       <dgm:prSet presAssocID="{7D20A739-850C-4971-AEA7-5627178D4468}" presName="rootConnector" presStyleLbl="node2" presStyleIdx="2" presStyleCnt="5"/>
       <dgm:spPr/>
+      <dgm:t>
+        <a:bodyPr/>
+        <a:lstStyle/>
+        <a:p>
+          <a:endParaRPr lang="tr-TR"/>
+        </a:p>
+      </dgm:t>
     </dgm:pt>
     <dgm:pt modelId="{AEC1E214-2D43-4D78-B9EC-F2E47FCF976D}" type="pres">
       <dgm:prSet presAssocID="{7D20A739-850C-4971-AEA7-5627178D4468}" presName="hierChild4" presStyleCnt="0"/>
@@ -1566,6 +1650,13 @@
     <dgm:pt modelId="{CC9DD505-292C-49CB-B714-0CFC4C38E5A4}" type="pres">
       <dgm:prSet presAssocID="{EA0F8DC9-55F0-4060-99EB-42D2346BBD8D}" presName="Name64" presStyleLbl="parChTrans1D2" presStyleIdx="3" presStyleCnt="5"/>
       <dgm:spPr/>
+      <dgm:t>
+        <a:bodyPr/>
+        <a:lstStyle/>
+        <a:p>
+          <a:endParaRPr lang="tr-TR"/>
+        </a:p>
+      </dgm:t>
     </dgm:pt>
     <dgm:pt modelId="{1633ADCC-0222-436D-8E1D-BB909955F4B8}" type="pres">
       <dgm:prSet presAssocID="{597CF2D1-3501-4843-A23D-960374E52DA4}" presName="hierRoot2" presStyleCnt="0">
@@ -1590,10 +1681,24 @@
           <a:avLst/>
         </a:prstGeom>
       </dgm:spPr>
+      <dgm:t>
+        <a:bodyPr/>
+        <a:lstStyle/>
+        <a:p>
+          <a:endParaRPr lang="tr-TR"/>
+        </a:p>
+      </dgm:t>
     </dgm:pt>
     <dgm:pt modelId="{D365F322-7C75-40E9-BFFC-543D4C268EAD}" type="pres">
       <dgm:prSet presAssocID="{597CF2D1-3501-4843-A23D-960374E52DA4}" presName="rootConnector" presStyleLbl="node2" presStyleIdx="3" presStyleCnt="5"/>
       <dgm:spPr/>
+      <dgm:t>
+        <a:bodyPr/>
+        <a:lstStyle/>
+        <a:p>
+          <a:endParaRPr lang="tr-TR"/>
+        </a:p>
+      </dgm:t>
     </dgm:pt>
     <dgm:pt modelId="{57A56603-EC37-4408-86C6-112AA3B11C86}" type="pres">
       <dgm:prSet presAssocID="{597CF2D1-3501-4843-A23D-960374E52DA4}" presName="hierChild4" presStyleCnt="0"/>
@@ -1606,6 +1711,13 @@
     <dgm:pt modelId="{56EF35F5-7260-4D84-837D-345862141906}" type="pres">
       <dgm:prSet presAssocID="{63B49BDC-B894-4467-A4B6-63EB3D90BC37}" presName="Name64" presStyleLbl="parChTrans1D2" presStyleIdx="4" presStyleCnt="5"/>
       <dgm:spPr/>
+      <dgm:t>
+        <a:bodyPr/>
+        <a:lstStyle/>
+        <a:p>
+          <a:endParaRPr lang="tr-TR"/>
+        </a:p>
+      </dgm:t>
     </dgm:pt>
     <dgm:pt modelId="{D166D8D2-1737-4C16-AC14-A184C40C6C4A}" type="pres">
       <dgm:prSet presAssocID="{455E155F-297E-4D05-B139-B5A5EA8D8FDB}" presName="hierRoot2" presStyleCnt="0">
@@ -1630,10 +1742,24 @@
           <a:avLst/>
         </a:prstGeom>
       </dgm:spPr>
+      <dgm:t>
+        <a:bodyPr/>
+        <a:lstStyle/>
+        <a:p>
+          <a:endParaRPr lang="tr-TR"/>
+        </a:p>
+      </dgm:t>
     </dgm:pt>
     <dgm:pt modelId="{0735AD41-A0AD-4628-9FC4-BDEA7153BCF2}" type="pres">
       <dgm:prSet presAssocID="{455E155F-297E-4D05-B139-B5A5EA8D8FDB}" presName="rootConnector" presStyleLbl="node2" presStyleIdx="4" presStyleCnt="5"/>
       <dgm:spPr/>
+      <dgm:t>
+        <a:bodyPr/>
+        <a:lstStyle/>
+        <a:p>
+          <a:endParaRPr lang="tr-TR"/>
+        </a:p>
+      </dgm:t>
     </dgm:pt>
     <dgm:pt modelId="{DBDE6178-8D10-42E6-ACAE-B053A851CCD7}" type="pres">
       <dgm:prSet presAssocID="{455E155F-297E-4D05-B139-B5A5EA8D8FDB}" presName="hierChild4" presStyleCnt="0"/>
@@ -1649,30 +1775,30 @@
     </dgm:pt>
   </dgm:ptLst>
   <dgm:cxnLst>
+    <dgm:cxn modelId="{B7EFADBB-40B5-4CE7-984D-130DD6AE2F6E}" srcId="{41BA8C3F-2E2B-4C07-8A1F-0828AB60DD11}" destId="{77BA990C-0398-456E-9D74-FAC9E07339F0}" srcOrd="0" destOrd="0" parTransId="{A98B3A20-5BC8-40B1-A1AB-C5E3F777C465}" sibTransId="{C7C13F14-9E35-497E-8BBB-B939C62E4539}"/>
+    <dgm:cxn modelId="{064674CD-1E84-40D6-A463-8BEA18372E56}" srcId="{77BA990C-0398-456E-9D74-FAC9E07339F0}" destId="{455E155F-297E-4D05-B139-B5A5EA8D8FDB}" srcOrd="4" destOrd="0" parTransId="{63B49BDC-B894-4467-A4B6-63EB3D90BC37}" sibTransId="{BE0DBEAE-C6C1-46CB-8562-9FBF8D754635}"/>
+    <dgm:cxn modelId="{66F25356-B9DD-4521-A6CF-22FCE0EE2803}" type="presOf" srcId="{C5A52C3C-516C-49EB-B53A-85E44A8B01E6}" destId="{F4BA7B4E-2265-4467-BC93-CFB84752CFC1}" srcOrd="1" destOrd="0" presId="urn:microsoft.com/office/officeart/2009/3/layout/HorizontalOrganizationChart"/>
+    <dgm:cxn modelId="{7D175993-C270-43C5-B335-B4BB370CC379}" type="presOf" srcId="{A40624F3-BAB0-409A-A2F9-8C1EFBA432E1}" destId="{22DE9119-F3B2-4A6A-B1D0-5B67CC948E3A}" srcOrd="0" destOrd="0" presId="urn:microsoft.com/office/officeart/2009/3/layout/HorizontalOrganizationChart"/>
+    <dgm:cxn modelId="{F4E541C2-134D-42AE-9FD2-7F07FFEBC407}" type="presOf" srcId="{7D20A739-850C-4971-AEA7-5627178D4468}" destId="{986311D5-A066-4608-B5EC-4E23123E621A}" srcOrd="0" destOrd="0" presId="urn:microsoft.com/office/officeart/2009/3/layout/HorizontalOrganizationChart"/>
+    <dgm:cxn modelId="{EC867C35-5B1B-4E27-BFC2-CD6FBD62CA2D}" type="presOf" srcId="{455E155F-297E-4D05-B139-B5A5EA8D8FDB}" destId="{E4E8E151-C198-4F71-851F-E6D7B890D7A0}" srcOrd="0" destOrd="0" presId="urn:microsoft.com/office/officeart/2009/3/layout/HorizontalOrganizationChart"/>
+    <dgm:cxn modelId="{0F05529A-77C5-4792-B701-8EFC540BD506}" type="presOf" srcId="{63B49BDC-B894-4467-A4B6-63EB3D90BC37}" destId="{56EF35F5-7260-4D84-837D-345862141906}" srcOrd="0" destOrd="0" presId="urn:microsoft.com/office/officeart/2009/3/layout/HorizontalOrganizationChart"/>
+    <dgm:cxn modelId="{882ED792-9914-4D70-AD92-3F663D2B20C2}" type="presOf" srcId="{98C8625D-B9A8-4274-94E8-F0002872EF47}" destId="{AA1D558E-0DFE-4583-B987-43D3624C652F}" srcOrd="0" destOrd="0" presId="urn:microsoft.com/office/officeart/2009/3/layout/HorizontalOrganizationChart"/>
     <dgm:cxn modelId="{99BE2307-5FA1-46BB-8D6E-B836E1118BA5}" type="presOf" srcId="{EA0F8DC9-55F0-4060-99EB-42D2346BBD8D}" destId="{CC9DD505-292C-49CB-B714-0CFC4C38E5A4}" srcOrd="0" destOrd="0" presId="urn:microsoft.com/office/officeart/2009/3/layout/HorizontalOrganizationChart"/>
+    <dgm:cxn modelId="{8FC52277-AAC6-4CBD-8779-707B4593065B}" type="presOf" srcId="{63716B79-7F2F-48D1-B7D2-526B611527B1}" destId="{97128350-B3C0-4C9E-89F4-6BDE72DBC174}" srcOrd="0" destOrd="0" presId="urn:microsoft.com/office/officeart/2009/3/layout/HorizontalOrganizationChart"/>
+    <dgm:cxn modelId="{DA043ADB-5640-4339-8D3D-CB138B79D846}" type="presOf" srcId="{597CF2D1-3501-4843-A23D-960374E52DA4}" destId="{D365F322-7C75-40E9-BFFC-543D4C268EAD}" srcOrd="1" destOrd="0" presId="urn:microsoft.com/office/officeart/2009/3/layout/HorizontalOrganizationChart"/>
+    <dgm:cxn modelId="{2AB92BA7-5D4A-4509-BE76-E45799516964}" type="presOf" srcId="{BD601D84-C718-4B80-BA56-F7D51CBD8DA3}" destId="{A990EB11-FBC6-485D-8394-240A25755CC9}" srcOrd="0" destOrd="0" presId="urn:microsoft.com/office/officeart/2009/3/layout/HorizontalOrganizationChart"/>
+    <dgm:cxn modelId="{4BD00022-9D30-4443-8570-4E28BA96D704}" type="presOf" srcId="{A40624F3-BAB0-409A-A2F9-8C1EFBA432E1}" destId="{8746B1D7-3EB8-41A4-B28E-4ACD1EB6DD01}" srcOrd="1" destOrd="0" presId="urn:microsoft.com/office/officeart/2009/3/layout/HorizontalOrganizationChart"/>
     <dgm:cxn modelId="{24F4ED14-F0C7-44B8-B916-71D486E83AE0}" type="presOf" srcId="{597CF2D1-3501-4843-A23D-960374E52DA4}" destId="{00969372-56F8-4332-8A0A-34F3E7C891B9}" srcOrd="0" destOrd="0" presId="urn:microsoft.com/office/officeart/2009/3/layout/HorizontalOrganizationChart"/>
-    <dgm:cxn modelId="{4BD00022-9D30-4443-8570-4E28BA96D704}" type="presOf" srcId="{A40624F3-BAB0-409A-A2F9-8C1EFBA432E1}" destId="{8746B1D7-3EB8-41A4-B28E-4ACD1EB6DD01}" srcOrd="1" destOrd="0" presId="urn:microsoft.com/office/officeart/2009/3/layout/HorizontalOrganizationChart"/>
-    <dgm:cxn modelId="{EC867C35-5B1B-4E27-BFC2-CD6FBD62CA2D}" type="presOf" srcId="{455E155F-297E-4D05-B139-B5A5EA8D8FDB}" destId="{E4E8E151-C198-4F71-851F-E6D7B890D7A0}" srcOrd="0" destOrd="0" presId="urn:microsoft.com/office/officeart/2009/3/layout/HorizontalOrganizationChart"/>
+    <dgm:cxn modelId="{16E486C9-D924-4C36-BA9A-25FA59577056}" srcId="{77BA990C-0398-456E-9D74-FAC9E07339F0}" destId="{A40624F3-BAB0-409A-A2F9-8C1EFBA432E1}" srcOrd="1" destOrd="0" parTransId="{BD601D84-C718-4B80-BA56-F7D51CBD8DA3}" sibTransId="{48D6237C-CD3C-43C3-962B-7CFE13247951}"/>
+    <dgm:cxn modelId="{0B5892FC-1BF6-4A7B-A200-CCAA3A5D98A4}" srcId="{77BA990C-0398-456E-9D74-FAC9E07339F0}" destId="{C5A52C3C-516C-49EB-B53A-85E44A8B01E6}" srcOrd="0" destOrd="0" parTransId="{98C8625D-B9A8-4274-94E8-F0002872EF47}" sibTransId="{697C2596-FD1F-4E21-87B7-66ADB7E49C5E}"/>
+    <dgm:cxn modelId="{575A7472-3E34-4E31-BEFE-F6E4203FCC86}" type="presOf" srcId="{41BA8C3F-2E2B-4C07-8A1F-0828AB60DD11}" destId="{1AFE8701-202B-46CA-A38E-27A93DAC6D82}" srcOrd="0" destOrd="0" presId="urn:microsoft.com/office/officeart/2009/3/layout/HorizontalOrganizationChart"/>
     <dgm:cxn modelId="{93FD766D-819D-46EA-BA43-452475FC6815}" type="presOf" srcId="{77BA990C-0398-456E-9D74-FAC9E07339F0}" destId="{6BAB720D-026C-473E-944E-F5C25BF23F6B}" srcOrd="0" destOrd="0" presId="urn:microsoft.com/office/officeart/2009/3/layout/HorizontalOrganizationChart"/>
-    <dgm:cxn modelId="{33500350-DEC7-4CDC-AA0B-E9E890C98E05}" type="presOf" srcId="{455E155F-297E-4D05-B139-B5A5EA8D8FDB}" destId="{0735AD41-A0AD-4628-9FC4-BDEA7153BCF2}" srcOrd="1" destOrd="0" presId="urn:microsoft.com/office/officeart/2009/3/layout/HorizontalOrganizationChart"/>
     <dgm:cxn modelId="{26DD5350-2F38-41CC-9F07-2425977AA050}" type="presOf" srcId="{77BA990C-0398-456E-9D74-FAC9E07339F0}" destId="{DCA1ADA4-61C1-4135-B609-E23EE7F97FE2}" srcOrd="1" destOrd="0" presId="urn:microsoft.com/office/officeart/2009/3/layout/HorizontalOrganizationChart"/>
-    <dgm:cxn modelId="{575A7472-3E34-4E31-BEFE-F6E4203FCC86}" type="presOf" srcId="{41BA8C3F-2E2B-4C07-8A1F-0828AB60DD11}" destId="{1AFE8701-202B-46CA-A38E-27A93DAC6D82}" srcOrd="0" destOrd="0" presId="urn:microsoft.com/office/officeart/2009/3/layout/HorizontalOrganizationChart"/>
-    <dgm:cxn modelId="{66F25356-B9DD-4521-A6CF-22FCE0EE2803}" type="presOf" srcId="{C5A52C3C-516C-49EB-B53A-85E44A8B01E6}" destId="{F4BA7B4E-2265-4467-BC93-CFB84752CFC1}" srcOrd="1" destOrd="0" presId="urn:microsoft.com/office/officeart/2009/3/layout/HorizontalOrganizationChart"/>
-    <dgm:cxn modelId="{8FC52277-AAC6-4CBD-8779-707B4593065B}" type="presOf" srcId="{63716B79-7F2F-48D1-B7D2-526B611527B1}" destId="{97128350-B3C0-4C9E-89F4-6BDE72DBC174}" srcOrd="0" destOrd="0" presId="urn:microsoft.com/office/officeart/2009/3/layout/HorizontalOrganizationChart"/>
-    <dgm:cxn modelId="{48EB1B7F-9A73-47AB-AAC6-2E9FD278102A}" type="presOf" srcId="{C5A52C3C-516C-49EB-B53A-85E44A8B01E6}" destId="{1BD47F30-7496-4A1D-9DFB-2CFFD508B1B6}" srcOrd="0" destOrd="0" presId="urn:microsoft.com/office/officeart/2009/3/layout/HorizontalOrganizationChart"/>
-    <dgm:cxn modelId="{882ED792-9914-4D70-AD92-3F663D2B20C2}" type="presOf" srcId="{98C8625D-B9A8-4274-94E8-F0002872EF47}" destId="{AA1D558E-0DFE-4583-B987-43D3624C652F}" srcOrd="0" destOrd="0" presId="urn:microsoft.com/office/officeart/2009/3/layout/HorizontalOrganizationChart"/>
-    <dgm:cxn modelId="{7D175993-C270-43C5-B335-B4BB370CC379}" type="presOf" srcId="{A40624F3-BAB0-409A-A2F9-8C1EFBA432E1}" destId="{22DE9119-F3B2-4A6A-B1D0-5B67CC948E3A}" srcOrd="0" destOrd="0" presId="urn:microsoft.com/office/officeart/2009/3/layout/HorizontalOrganizationChart"/>
+    <dgm:cxn modelId="{199E2DAF-AFC8-4D89-9190-8D2C015ABCFA}" type="presOf" srcId="{7D20A739-850C-4971-AEA7-5627178D4468}" destId="{62498E8C-A237-4364-B00E-2A6507DC9257}" srcOrd="1" destOrd="0" presId="urn:microsoft.com/office/officeart/2009/3/layout/HorizontalOrganizationChart"/>
     <dgm:cxn modelId="{32890F99-E604-43DD-BDCC-98B94D91A7FB}" srcId="{77BA990C-0398-456E-9D74-FAC9E07339F0}" destId="{597CF2D1-3501-4843-A23D-960374E52DA4}" srcOrd="3" destOrd="0" parTransId="{EA0F8DC9-55F0-4060-99EB-42D2346BBD8D}" sibTransId="{4D1FAAB1-7E9D-4436-B3E4-D1A36A61D91B}"/>
     <dgm:cxn modelId="{13D06C99-F028-4CFE-9D60-05FDF456F27A}" srcId="{77BA990C-0398-456E-9D74-FAC9E07339F0}" destId="{7D20A739-850C-4971-AEA7-5627178D4468}" srcOrd="2" destOrd="0" parTransId="{63716B79-7F2F-48D1-B7D2-526B611527B1}" sibTransId="{78E481D9-9769-4FC5-AFE6-81F3969C4BEF}"/>
-    <dgm:cxn modelId="{0F05529A-77C5-4792-B701-8EFC540BD506}" type="presOf" srcId="{63B49BDC-B894-4467-A4B6-63EB3D90BC37}" destId="{56EF35F5-7260-4D84-837D-345862141906}" srcOrd="0" destOrd="0" presId="urn:microsoft.com/office/officeart/2009/3/layout/HorizontalOrganizationChart"/>
-    <dgm:cxn modelId="{2AB92BA7-5D4A-4509-BE76-E45799516964}" type="presOf" srcId="{BD601D84-C718-4B80-BA56-F7D51CBD8DA3}" destId="{A990EB11-FBC6-485D-8394-240A25755CC9}" srcOrd="0" destOrd="0" presId="urn:microsoft.com/office/officeart/2009/3/layout/HorizontalOrganizationChart"/>
-    <dgm:cxn modelId="{199E2DAF-AFC8-4D89-9190-8D2C015ABCFA}" type="presOf" srcId="{7D20A739-850C-4971-AEA7-5627178D4468}" destId="{62498E8C-A237-4364-B00E-2A6507DC9257}" srcOrd="1" destOrd="0" presId="urn:microsoft.com/office/officeart/2009/3/layout/HorizontalOrganizationChart"/>
-    <dgm:cxn modelId="{B7EFADBB-40B5-4CE7-984D-130DD6AE2F6E}" srcId="{41BA8C3F-2E2B-4C07-8A1F-0828AB60DD11}" destId="{77BA990C-0398-456E-9D74-FAC9E07339F0}" srcOrd="0" destOrd="0" parTransId="{A98B3A20-5BC8-40B1-A1AB-C5E3F777C465}" sibTransId="{C7C13F14-9E35-497E-8BBB-B939C62E4539}"/>
-    <dgm:cxn modelId="{F4E541C2-134D-42AE-9FD2-7F07FFEBC407}" type="presOf" srcId="{7D20A739-850C-4971-AEA7-5627178D4468}" destId="{986311D5-A066-4608-B5EC-4E23123E621A}" srcOrd="0" destOrd="0" presId="urn:microsoft.com/office/officeart/2009/3/layout/HorizontalOrganizationChart"/>
-    <dgm:cxn modelId="{16E486C9-D924-4C36-BA9A-25FA59577056}" srcId="{77BA990C-0398-456E-9D74-FAC9E07339F0}" destId="{A40624F3-BAB0-409A-A2F9-8C1EFBA432E1}" srcOrd="1" destOrd="0" parTransId="{BD601D84-C718-4B80-BA56-F7D51CBD8DA3}" sibTransId="{48D6237C-CD3C-43C3-962B-7CFE13247951}"/>
-    <dgm:cxn modelId="{064674CD-1E84-40D6-A463-8BEA18372E56}" srcId="{77BA990C-0398-456E-9D74-FAC9E07339F0}" destId="{455E155F-297E-4D05-B139-B5A5EA8D8FDB}" srcOrd="4" destOrd="0" parTransId="{63B49BDC-B894-4467-A4B6-63EB3D90BC37}" sibTransId="{BE0DBEAE-C6C1-46CB-8562-9FBF8D754635}"/>
-    <dgm:cxn modelId="{DA043ADB-5640-4339-8D3D-CB138B79D846}" type="presOf" srcId="{597CF2D1-3501-4843-A23D-960374E52DA4}" destId="{D365F322-7C75-40E9-BFFC-543D4C268EAD}" srcOrd="1" destOrd="0" presId="urn:microsoft.com/office/officeart/2009/3/layout/HorizontalOrganizationChart"/>
-    <dgm:cxn modelId="{0B5892FC-1BF6-4A7B-A200-CCAA3A5D98A4}" srcId="{77BA990C-0398-456E-9D74-FAC9E07339F0}" destId="{C5A52C3C-516C-49EB-B53A-85E44A8B01E6}" srcOrd="0" destOrd="0" parTransId="{98C8625D-B9A8-4274-94E8-F0002872EF47}" sibTransId="{697C2596-FD1F-4E21-87B7-66ADB7E49C5E}"/>
+    <dgm:cxn modelId="{48EB1B7F-9A73-47AB-AAC6-2E9FD278102A}" type="presOf" srcId="{C5A52C3C-516C-49EB-B53A-85E44A8B01E6}" destId="{1BD47F30-7496-4A1D-9DFB-2CFFD508B1B6}" srcOrd="0" destOrd="0" presId="urn:microsoft.com/office/officeart/2009/3/layout/HorizontalOrganizationChart"/>
+    <dgm:cxn modelId="{33500350-DEC7-4CDC-AA0B-E9E890C98E05}" type="presOf" srcId="{455E155F-297E-4D05-B139-B5A5EA8D8FDB}" destId="{0735AD41-A0AD-4628-9FC4-BDEA7153BCF2}" srcOrd="1" destOrd="0" presId="urn:microsoft.com/office/officeart/2009/3/layout/HorizontalOrganizationChart"/>
     <dgm:cxn modelId="{BEA3DF9D-3252-46E5-A515-B27B52E9CB3F}" type="presParOf" srcId="{1AFE8701-202B-46CA-A38E-27A93DAC6D82}" destId="{BAC9F71A-3F72-42F3-952D-5C30727656E7}" srcOrd="0" destOrd="0" presId="urn:microsoft.com/office/officeart/2009/3/layout/HorizontalOrganizationChart"/>
     <dgm:cxn modelId="{FE759E9E-F240-4D59-A589-B68FFFBF9103}" type="presParOf" srcId="{BAC9F71A-3F72-42F3-952D-5C30727656E7}" destId="{041E57A2-3D6B-4EE4-9672-C5EB09339A92}" srcOrd="0" destOrd="0" presId="urn:microsoft.com/office/officeart/2009/3/layout/HorizontalOrganizationChart"/>
     <dgm:cxn modelId="{272DD6EC-F106-4AD8-8754-71A4367C7FF6}" type="presParOf" srcId="{041E57A2-3D6B-4EE4-9672-C5EB09339A92}" destId="{6BAB720D-026C-473E-944E-F5C25BF23F6B}" srcOrd="0" destOrd="0" presId="urn:microsoft.com/office/officeart/2009/3/layout/HorizontalOrganizationChart"/>
@@ -2091,7 +2217,7 @@
         </a:bodyPr>
         <a:lstStyle/>
         <a:p>
-          <a:pPr marL="0" lvl="0" indent="0" algn="ctr" defTabSz="755650">
+          <a:pPr lvl="0" algn="ctr" defTabSz="755650">
             <a:lnSpc>
               <a:spcPct val="90000"/>
             </a:lnSpc>
@@ -2101,7 +2227,6 @@
             <a:spcAft>
               <a:spcPct val="35000"/>
             </a:spcAft>
-            <a:buNone/>
           </a:pPr>
           <a:r>
             <a:rPr lang="tr-TR" sz="1700" kern="1200"/>
@@ -2159,7 +2284,7 @@
         </a:bodyPr>
         <a:lstStyle/>
         <a:p>
-          <a:pPr marL="0" lvl="0" indent="0" algn="ctr" defTabSz="755650">
+          <a:pPr lvl="0" algn="ctr" defTabSz="755650">
             <a:lnSpc>
               <a:spcPct val="90000"/>
             </a:lnSpc>
@@ -2169,7 +2294,6 @@
             <a:spcAft>
               <a:spcPct val="35000"/>
             </a:spcAft>
-            <a:buNone/>
           </a:pPr>
           <a:r>
             <a:rPr lang="en-US" sz="1700" b="0" kern="1200" cap="none" spc="0">
@@ -2186,7 +2310,7 @@
           </a:r>
         </a:p>
         <a:p>
-          <a:pPr marL="0" lvl="0" indent="0" algn="ctr" defTabSz="755650">
+          <a:pPr lvl="0" algn="ctr" defTabSz="755650">
             <a:lnSpc>
               <a:spcPct val="90000"/>
             </a:lnSpc>
@@ -2196,7 +2320,6 @@
             <a:spcAft>
               <a:spcPct val="35000"/>
             </a:spcAft>
-            <a:buNone/>
           </a:pPr>
           <a:r>
             <a:rPr lang="en-US" sz="1700" b="0" kern="1200" cap="none" spc="0">
@@ -2286,7 +2409,7 @@
         </a:bodyPr>
         <a:lstStyle/>
         <a:p>
-          <a:pPr marL="0" lvl="0" indent="0" algn="ctr" defTabSz="755650">
+          <a:pPr lvl="0" algn="ctr" defTabSz="755650">
             <a:lnSpc>
               <a:spcPct val="90000"/>
             </a:lnSpc>
@@ -2296,7 +2419,6 @@
             <a:spcAft>
               <a:spcPct val="35000"/>
             </a:spcAft>
-            <a:buNone/>
           </a:pPr>
           <a:r>
             <a:rPr lang="tr-TR" sz="1700" b="0" kern="1200" cap="none" spc="0">
@@ -2313,7 +2435,7 @@
           </a:r>
         </a:p>
         <a:p>
-          <a:pPr marL="0" lvl="0" indent="0" algn="ctr" defTabSz="755650">
+          <a:pPr lvl="0" algn="ctr" defTabSz="755650">
             <a:lnSpc>
               <a:spcPct val="90000"/>
             </a:lnSpc>
@@ -2323,7 +2445,6 @@
             <a:spcAft>
               <a:spcPct val="35000"/>
             </a:spcAft>
-            <a:buNone/>
           </a:pPr>
           <a:r>
             <a:rPr lang="tr-TR" sz="1700" b="0" kern="1200" cap="none" spc="0">
@@ -2390,7 +2511,7 @@
         </a:bodyPr>
         <a:lstStyle/>
         <a:p>
-          <a:pPr marL="0" lvl="0" indent="0" algn="ctr" defTabSz="755650">
+          <a:pPr lvl="0" algn="ctr" defTabSz="755650">
             <a:lnSpc>
               <a:spcPct val="90000"/>
             </a:lnSpc>
@@ -2400,7 +2521,6 @@
             <a:spcAft>
               <a:spcPct val="35000"/>
             </a:spcAft>
-            <a:buNone/>
           </a:pPr>
           <a:r>
             <a:rPr lang="tr-TR" sz="1700" b="0" kern="1200" cap="none" spc="0">
@@ -2417,7 +2537,7 @@
           </a:r>
         </a:p>
         <a:p>
-          <a:pPr marL="0" lvl="0" indent="0" algn="ctr" defTabSz="755650">
+          <a:pPr lvl="0" algn="ctr" defTabSz="755650">
             <a:lnSpc>
               <a:spcPct val="90000"/>
             </a:lnSpc>
@@ -2427,7 +2547,6 @@
             <a:spcAft>
               <a:spcPct val="35000"/>
             </a:spcAft>
-            <a:buNone/>
           </a:pPr>
           <a:r>
             <a:rPr lang="tr-TR" sz="1700" b="0" kern="1200" cap="none" spc="0">
@@ -2494,7 +2613,7 @@
         </a:bodyPr>
         <a:lstStyle/>
         <a:p>
-          <a:pPr marL="0" lvl="0" indent="0" algn="ctr" defTabSz="755650">
+          <a:pPr lvl="0" algn="ctr" defTabSz="755650">
             <a:lnSpc>
               <a:spcPct val="90000"/>
             </a:lnSpc>
@@ -2504,7 +2623,6 @@
             <a:spcAft>
               <a:spcPct val="35000"/>
             </a:spcAft>
-            <a:buNone/>
           </a:pPr>
           <a:r>
             <a:rPr lang="tr-TR" sz="1700" b="0" kern="1200" cap="none" spc="0">
@@ -2521,7 +2639,7 @@
           </a:r>
         </a:p>
         <a:p>
-          <a:pPr marL="0" lvl="0" indent="0" algn="ctr" defTabSz="755650">
+          <a:pPr lvl="0" algn="ctr" defTabSz="755650">
             <a:lnSpc>
               <a:spcPct val="90000"/>
             </a:lnSpc>
@@ -2531,7 +2649,6 @@
             <a:spcAft>
               <a:spcPct val="35000"/>
             </a:spcAft>
-            <a:buNone/>
           </a:pPr>
           <a:r>
             <a:rPr lang="tr-TR" sz="1700" b="0" kern="1200" cap="none" spc="0">
@@ -2598,7 +2715,7 @@
         </a:bodyPr>
         <a:lstStyle/>
         <a:p>
-          <a:pPr marL="0" lvl="0" indent="0" algn="ctr" defTabSz="755650">
+          <a:pPr lvl="0" algn="ctr" defTabSz="755650">
             <a:lnSpc>
               <a:spcPct val="90000"/>
             </a:lnSpc>
@@ -2608,7 +2725,6 @@
             <a:spcAft>
               <a:spcPct val="35000"/>
             </a:spcAft>
-            <a:buNone/>
           </a:pPr>
           <a:r>
             <a:rPr lang="tr-TR" sz="1700" b="0" kern="1200" cap="none" spc="0">
@@ -2625,7 +2741,7 @@
           </a:r>
         </a:p>
         <a:p>
-          <a:pPr marL="0" lvl="0" indent="0" algn="ctr" defTabSz="755650">
+          <a:pPr lvl="0" algn="ctr" defTabSz="755650">
             <a:lnSpc>
               <a:spcPct val="90000"/>
             </a:lnSpc>
@@ -2635,7 +2751,6 @@
             <a:spcAft>
               <a:spcPct val="35000"/>
             </a:spcAft>
-            <a:buNone/>
           </a:pPr>
           <a:r>
             <a:rPr lang="tr-TR" sz="1700" b="0" kern="1200" cap="none" spc="0">
@@ -5251,7 +5366,7 @@
           <p:cNvPr id="2" name="Unvan 1">
             <a:extLst>
               <a:ext uri="{FF2B5EF4-FFF2-40B4-BE49-F238E27FC236}">
-                <a16:creationId xmlns:a16="http://schemas.microsoft.com/office/drawing/2014/main" id="{9470B9E8-F296-4076-962B-1B8528D8CB6D}"/>
+                <a16:creationId xmlns:a16="http://schemas.microsoft.com/office/drawing/2014/main" xmlns="" id="{9470B9E8-F296-4076-962B-1B8528D8CB6D}"/>
               </a:ext>
             </a:extLst>
           </p:cNvPr>
@@ -5289,7 +5404,7 @@
           <p:cNvPr id="3" name="Alt Başlık 2">
             <a:extLst>
               <a:ext uri="{FF2B5EF4-FFF2-40B4-BE49-F238E27FC236}">
-                <a16:creationId xmlns:a16="http://schemas.microsoft.com/office/drawing/2014/main" id="{7920E9DB-08C6-4E91-A6F8-9D1ECC2B982A}"/>
+                <a16:creationId xmlns:a16="http://schemas.microsoft.com/office/drawing/2014/main" xmlns="" id="{7920E9DB-08C6-4E91-A6F8-9D1ECC2B982A}"/>
               </a:ext>
             </a:extLst>
           </p:cNvPr>
@@ -5360,7 +5475,7 @@
           <p:cNvPr id="4" name="Veri Yer Tutucusu 3">
             <a:extLst>
               <a:ext uri="{FF2B5EF4-FFF2-40B4-BE49-F238E27FC236}">
-                <a16:creationId xmlns:a16="http://schemas.microsoft.com/office/drawing/2014/main" id="{6787A392-8D13-4963-B1D6-106579B14328}"/>
+                <a16:creationId xmlns:a16="http://schemas.microsoft.com/office/drawing/2014/main" xmlns="" id="{6787A392-8D13-4963-B1D6-106579B14328}"/>
               </a:ext>
             </a:extLst>
           </p:cNvPr>
@@ -5389,7 +5504,7 @@
           <p:cNvPr id="5" name="Alt Bilgi Yer Tutucusu 4">
             <a:extLst>
               <a:ext uri="{FF2B5EF4-FFF2-40B4-BE49-F238E27FC236}">
-                <a16:creationId xmlns:a16="http://schemas.microsoft.com/office/drawing/2014/main" id="{0E07BF0E-B6CC-4981-BF5F-339B894BE23D}"/>
+                <a16:creationId xmlns:a16="http://schemas.microsoft.com/office/drawing/2014/main" xmlns="" id="{0E07BF0E-B6CC-4981-BF5F-339B894BE23D}"/>
               </a:ext>
             </a:extLst>
           </p:cNvPr>
@@ -5414,7 +5529,7 @@
           <p:cNvPr id="6" name="Slayt Numarası Yer Tutucusu 5">
             <a:extLst>
               <a:ext uri="{FF2B5EF4-FFF2-40B4-BE49-F238E27FC236}">
-                <a16:creationId xmlns:a16="http://schemas.microsoft.com/office/drawing/2014/main" id="{EEAF1248-D726-4758-9EE4-3C84BF57AD0A}"/>
+                <a16:creationId xmlns:a16="http://schemas.microsoft.com/office/drawing/2014/main" xmlns="" id="{EEAF1248-D726-4758-9EE4-3C84BF57AD0A}"/>
               </a:ext>
             </a:extLst>
           </p:cNvPr>
@@ -5473,7 +5588,7 @@
           <p:cNvPr id="2" name="Unvan 1">
             <a:extLst>
               <a:ext uri="{FF2B5EF4-FFF2-40B4-BE49-F238E27FC236}">
-                <a16:creationId xmlns:a16="http://schemas.microsoft.com/office/drawing/2014/main" id="{8B75A959-10C0-4B4A-9E4C-DA1CC9898CF2}"/>
+                <a16:creationId xmlns:a16="http://schemas.microsoft.com/office/drawing/2014/main" xmlns="" id="{8B75A959-10C0-4B4A-9E4C-DA1CC9898CF2}"/>
               </a:ext>
             </a:extLst>
           </p:cNvPr>
@@ -5502,7 +5617,7 @@
           <p:cNvPr id="3" name="Dikey Metin Yer Tutucusu 2">
             <a:extLst>
               <a:ext uri="{FF2B5EF4-FFF2-40B4-BE49-F238E27FC236}">
-                <a16:creationId xmlns:a16="http://schemas.microsoft.com/office/drawing/2014/main" id="{59FBDA73-0F2A-4314-9475-3F4628F42848}"/>
+                <a16:creationId xmlns:a16="http://schemas.microsoft.com/office/drawing/2014/main" xmlns="" id="{59FBDA73-0F2A-4314-9475-3F4628F42848}"/>
               </a:ext>
             </a:extLst>
           </p:cNvPr>
@@ -5560,7 +5675,7 @@
           <p:cNvPr id="4" name="Veri Yer Tutucusu 3">
             <a:extLst>
               <a:ext uri="{FF2B5EF4-FFF2-40B4-BE49-F238E27FC236}">
-                <a16:creationId xmlns:a16="http://schemas.microsoft.com/office/drawing/2014/main" id="{4E82A514-64A4-4D17-AF45-A73D24D5B630}"/>
+                <a16:creationId xmlns:a16="http://schemas.microsoft.com/office/drawing/2014/main" xmlns="" id="{4E82A514-64A4-4D17-AF45-A73D24D5B630}"/>
               </a:ext>
             </a:extLst>
           </p:cNvPr>
@@ -5589,7 +5704,7 @@
           <p:cNvPr id="5" name="Alt Bilgi Yer Tutucusu 4">
             <a:extLst>
               <a:ext uri="{FF2B5EF4-FFF2-40B4-BE49-F238E27FC236}">
-                <a16:creationId xmlns:a16="http://schemas.microsoft.com/office/drawing/2014/main" id="{93D1E74F-6F38-459C-AE76-E6E5F100CBEB}"/>
+                <a16:creationId xmlns:a16="http://schemas.microsoft.com/office/drawing/2014/main" xmlns="" id="{93D1E74F-6F38-459C-AE76-E6E5F100CBEB}"/>
               </a:ext>
             </a:extLst>
           </p:cNvPr>
@@ -5614,7 +5729,7 @@
           <p:cNvPr id="6" name="Slayt Numarası Yer Tutucusu 5">
             <a:extLst>
               <a:ext uri="{FF2B5EF4-FFF2-40B4-BE49-F238E27FC236}">
-                <a16:creationId xmlns:a16="http://schemas.microsoft.com/office/drawing/2014/main" id="{688552E6-D237-48F0-B6E7-51E2FC654973}"/>
+                <a16:creationId xmlns:a16="http://schemas.microsoft.com/office/drawing/2014/main" xmlns="" id="{688552E6-D237-48F0-B6E7-51E2FC654973}"/>
               </a:ext>
             </a:extLst>
           </p:cNvPr>
@@ -5673,7 +5788,7 @@
           <p:cNvPr id="2" name="Dikey Başlık 1">
             <a:extLst>
               <a:ext uri="{FF2B5EF4-FFF2-40B4-BE49-F238E27FC236}">
-                <a16:creationId xmlns:a16="http://schemas.microsoft.com/office/drawing/2014/main" id="{8DA3455B-CCDA-4D5D-8095-C068FA5417BB}"/>
+                <a16:creationId xmlns:a16="http://schemas.microsoft.com/office/drawing/2014/main" xmlns="" id="{8DA3455B-CCDA-4D5D-8095-C068FA5417BB}"/>
               </a:ext>
             </a:extLst>
           </p:cNvPr>
@@ -5707,7 +5822,7 @@
           <p:cNvPr id="3" name="Dikey Metin Yer Tutucusu 2">
             <a:extLst>
               <a:ext uri="{FF2B5EF4-FFF2-40B4-BE49-F238E27FC236}">
-                <a16:creationId xmlns:a16="http://schemas.microsoft.com/office/drawing/2014/main" id="{3EA18479-B9B6-4D5D-B0B7-29FCC3677C07}"/>
+                <a16:creationId xmlns:a16="http://schemas.microsoft.com/office/drawing/2014/main" xmlns="" id="{3EA18479-B9B6-4D5D-B0B7-29FCC3677C07}"/>
               </a:ext>
             </a:extLst>
           </p:cNvPr>
@@ -5770,7 +5885,7 @@
           <p:cNvPr id="4" name="Veri Yer Tutucusu 3">
             <a:extLst>
               <a:ext uri="{FF2B5EF4-FFF2-40B4-BE49-F238E27FC236}">
-                <a16:creationId xmlns:a16="http://schemas.microsoft.com/office/drawing/2014/main" id="{54967EBF-6ADE-4C62-8EC6-293DC9952ED0}"/>
+                <a16:creationId xmlns:a16="http://schemas.microsoft.com/office/drawing/2014/main" xmlns="" id="{54967EBF-6ADE-4C62-8EC6-293DC9952ED0}"/>
               </a:ext>
             </a:extLst>
           </p:cNvPr>
@@ -5799,7 +5914,7 @@
           <p:cNvPr id="5" name="Alt Bilgi Yer Tutucusu 4">
             <a:extLst>
               <a:ext uri="{FF2B5EF4-FFF2-40B4-BE49-F238E27FC236}">
-                <a16:creationId xmlns:a16="http://schemas.microsoft.com/office/drawing/2014/main" id="{A6CE1C30-B851-438A-BC84-82B0A0C27A09}"/>
+                <a16:creationId xmlns:a16="http://schemas.microsoft.com/office/drawing/2014/main" xmlns="" id="{A6CE1C30-B851-438A-BC84-82B0A0C27A09}"/>
               </a:ext>
             </a:extLst>
           </p:cNvPr>
@@ -5824,7 +5939,7 @@
           <p:cNvPr id="6" name="Slayt Numarası Yer Tutucusu 5">
             <a:extLst>
               <a:ext uri="{FF2B5EF4-FFF2-40B4-BE49-F238E27FC236}">
-                <a16:creationId xmlns:a16="http://schemas.microsoft.com/office/drawing/2014/main" id="{1F74F23F-28D9-4E5F-A36A-4E50E3F7BCB8}"/>
+                <a16:creationId xmlns:a16="http://schemas.microsoft.com/office/drawing/2014/main" xmlns="" id="{1F74F23F-28D9-4E5F-A36A-4E50E3F7BCB8}"/>
               </a:ext>
             </a:extLst>
           </p:cNvPr>
@@ -5883,7 +5998,7 @@
           <p:cNvPr id="2" name="Unvan 1">
             <a:extLst>
               <a:ext uri="{FF2B5EF4-FFF2-40B4-BE49-F238E27FC236}">
-                <a16:creationId xmlns:a16="http://schemas.microsoft.com/office/drawing/2014/main" id="{A94ED8A3-EAC3-4206-A94B-4D711AF70C48}"/>
+                <a16:creationId xmlns:a16="http://schemas.microsoft.com/office/drawing/2014/main" xmlns="" id="{A94ED8A3-EAC3-4206-A94B-4D711AF70C48}"/>
               </a:ext>
             </a:extLst>
           </p:cNvPr>
@@ -5912,7 +6027,7 @@
           <p:cNvPr id="3" name="İçerik Yer Tutucusu 2">
             <a:extLst>
               <a:ext uri="{FF2B5EF4-FFF2-40B4-BE49-F238E27FC236}">
-                <a16:creationId xmlns:a16="http://schemas.microsoft.com/office/drawing/2014/main" id="{D51F4699-CF75-4792-B00E-81359457770B}"/>
+                <a16:creationId xmlns:a16="http://schemas.microsoft.com/office/drawing/2014/main" xmlns="" id="{D51F4699-CF75-4792-B00E-81359457770B}"/>
               </a:ext>
             </a:extLst>
           </p:cNvPr>
@@ -5970,7 +6085,7 @@
           <p:cNvPr id="4" name="Veri Yer Tutucusu 3">
             <a:extLst>
               <a:ext uri="{FF2B5EF4-FFF2-40B4-BE49-F238E27FC236}">
-                <a16:creationId xmlns:a16="http://schemas.microsoft.com/office/drawing/2014/main" id="{1325EFD4-BBD7-4D71-9AE1-45AC946DF538}"/>
+                <a16:creationId xmlns:a16="http://schemas.microsoft.com/office/drawing/2014/main" xmlns="" id="{1325EFD4-BBD7-4D71-9AE1-45AC946DF538}"/>
               </a:ext>
             </a:extLst>
           </p:cNvPr>
@@ -5999,7 +6114,7 @@
           <p:cNvPr id="5" name="Alt Bilgi Yer Tutucusu 4">
             <a:extLst>
               <a:ext uri="{FF2B5EF4-FFF2-40B4-BE49-F238E27FC236}">
-                <a16:creationId xmlns:a16="http://schemas.microsoft.com/office/drawing/2014/main" id="{220002B5-7B8C-45A4-A8C1-2218E8FB58B9}"/>
+                <a16:creationId xmlns:a16="http://schemas.microsoft.com/office/drawing/2014/main" xmlns="" id="{220002B5-7B8C-45A4-A8C1-2218E8FB58B9}"/>
               </a:ext>
             </a:extLst>
           </p:cNvPr>
@@ -6024,7 +6139,7 @@
           <p:cNvPr id="6" name="Slayt Numarası Yer Tutucusu 5">
             <a:extLst>
               <a:ext uri="{FF2B5EF4-FFF2-40B4-BE49-F238E27FC236}">
-                <a16:creationId xmlns:a16="http://schemas.microsoft.com/office/drawing/2014/main" id="{40C6F471-0AD7-4EFA-8E79-1DFE909A9AA3}"/>
+                <a16:creationId xmlns:a16="http://schemas.microsoft.com/office/drawing/2014/main" xmlns="" id="{40C6F471-0AD7-4EFA-8E79-1DFE909A9AA3}"/>
               </a:ext>
             </a:extLst>
           </p:cNvPr>
@@ -6083,7 +6198,7 @@
           <p:cNvPr id="2" name="Unvan 1">
             <a:extLst>
               <a:ext uri="{FF2B5EF4-FFF2-40B4-BE49-F238E27FC236}">
-                <a16:creationId xmlns:a16="http://schemas.microsoft.com/office/drawing/2014/main" id="{EA2DF68A-5FFA-49EE-8415-284C43E6B292}"/>
+                <a16:creationId xmlns:a16="http://schemas.microsoft.com/office/drawing/2014/main" xmlns="" id="{EA2DF68A-5FFA-49EE-8415-284C43E6B292}"/>
               </a:ext>
             </a:extLst>
           </p:cNvPr>
@@ -6121,7 +6236,7 @@
           <p:cNvPr id="3" name="Metin Yer Tutucusu 2">
             <a:extLst>
               <a:ext uri="{FF2B5EF4-FFF2-40B4-BE49-F238E27FC236}">
-                <a16:creationId xmlns:a16="http://schemas.microsoft.com/office/drawing/2014/main" id="{E6B9FD20-FF99-4B01-A3A2-019AC96FB6B5}"/>
+                <a16:creationId xmlns:a16="http://schemas.microsoft.com/office/drawing/2014/main" xmlns="" id="{E6B9FD20-FF99-4B01-A3A2-019AC96FB6B5}"/>
               </a:ext>
             </a:extLst>
           </p:cNvPr>
@@ -6246,7 +6361,7 @@
           <p:cNvPr id="4" name="Veri Yer Tutucusu 3">
             <a:extLst>
               <a:ext uri="{FF2B5EF4-FFF2-40B4-BE49-F238E27FC236}">
-                <a16:creationId xmlns:a16="http://schemas.microsoft.com/office/drawing/2014/main" id="{E174277A-72BA-4948-B6A4-78E5C19D89B0}"/>
+                <a16:creationId xmlns:a16="http://schemas.microsoft.com/office/drawing/2014/main" xmlns="" id="{E174277A-72BA-4948-B6A4-78E5C19D89B0}"/>
               </a:ext>
             </a:extLst>
           </p:cNvPr>
@@ -6275,7 +6390,7 @@
           <p:cNvPr id="5" name="Alt Bilgi Yer Tutucusu 4">
             <a:extLst>
               <a:ext uri="{FF2B5EF4-FFF2-40B4-BE49-F238E27FC236}">
-                <a16:creationId xmlns:a16="http://schemas.microsoft.com/office/drawing/2014/main" id="{F7D3D3C4-43B4-40DD-9A3F-8DC883C5738A}"/>
+                <a16:creationId xmlns:a16="http://schemas.microsoft.com/office/drawing/2014/main" xmlns="" id="{F7D3D3C4-43B4-40DD-9A3F-8DC883C5738A}"/>
               </a:ext>
             </a:extLst>
           </p:cNvPr>
@@ -6300,7 +6415,7 @@
           <p:cNvPr id="6" name="Slayt Numarası Yer Tutucusu 5">
             <a:extLst>
               <a:ext uri="{FF2B5EF4-FFF2-40B4-BE49-F238E27FC236}">
-                <a16:creationId xmlns:a16="http://schemas.microsoft.com/office/drawing/2014/main" id="{97EC7BAC-44D0-4093-8954-A873911C7260}"/>
+                <a16:creationId xmlns:a16="http://schemas.microsoft.com/office/drawing/2014/main" xmlns="" id="{97EC7BAC-44D0-4093-8954-A873911C7260}"/>
               </a:ext>
             </a:extLst>
           </p:cNvPr>
@@ -6359,7 +6474,7 @@
           <p:cNvPr id="2" name="Unvan 1">
             <a:extLst>
               <a:ext uri="{FF2B5EF4-FFF2-40B4-BE49-F238E27FC236}">
-                <a16:creationId xmlns:a16="http://schemas.microsoft.com/office/drawing/2014/main" id="{A867AB42-1A2C-4381-8BD8-3A68FF69420D}"/>
+                <a16:creationId xmlns:a16="http://schemas.microsoft.com/office/drawing/2014/main" xmlns="" id="{A867AB42-1A2C-4381-8BD8-3A68FF69420D}"/>
               </a:ext>
             </a:extLst>
           </p:cNvPr>
@@ -6388,7 +6503,7 @@
           <p:cNvPr id="3" name="İçerik Yer Tutucusu 2">
             <a:extLst>
               <a:ext uri="{FF2B5EF4-FFF2-40B4-BE49-F238E27FC236}">
-                <a16:creationId xmlns:a16="http://schemas.microsoft.com/office/drawing/2014/main" id="{CCA400F1-8E1E-428E-8B20-F327721914AA}"/>
+                <a16:creationId xmlns:a16="http://schemas.microsoft.com/office/drawing/2014/main" xmlns="" id="{CCA400F1-8E1E-428E-8B20-F327721914AA}"/>
               </a:ext>
             </a:extLst>
           </p:cNvPr>
@@ -6451,7 +6566,7 @@
           <p:cNvPr id="4" name="İçerik Yer Tutucusu 3">
             <a:extLst>
               <a:ext uri="{FF2B5EF4-FFF2-40B4-BE49-F238E27FC236}">
-                <a16:creationId xmlns:a16="http://schemas.microsoft.com/office/drawing/2014/main" id="{780AEE74-3385-4778-8FAF-0D9EC4A65A89}"/>
+                <a16:creationId xmlns:a16="http://schemas.microsoft.com/office/drawing/2014/main" xmlns="" id="{780AEE74-3385-4778-8FAF-0D9EC4A65A89}"/>
               </a:ext>
             </a:extLst>
           </p:cNvPr>
@@ -6514,7 +6629,7 @@
           <p:cNvPr id="5" name="Veri Yer Tutucusu 4">
             <a:extLst>
               <a:ext uri="{FF2B5EF4-FFF2-40B4-BE49-F238E27FC236}">
-                <a16:creationId xmlns:a16="http://schemas.microsoft.com/office/drawing/2014/main" id="{C43E0F01-CB40-4981-9883-B9DF4F842586}"/>
+                <a16:creationId xmlns:a16="http://schemas.microsoft.com/office/drawing/2014/main" xmlns="" id="{C43E0F01-CB40-4981-9883-B9DF4F842586}"/>
               </a:ext>
             </a:extLst>
           </p:cNvPr>
@@ -6543,7 +6658,7 @@
           <p:cNvPr id="6" name="Alt Bilgi Yer Tutucusu 5">
             <a:extLst>
               <a:ext uri="{FF2B5EF4-FFF2-40B4-BE49-F238E27FC236}">
-                <a16:creationId xmlns:a16="http://schemas.microsoft.com/office/drawing/2014/main" id="{5CC2F9AE-B5E6-41AA-B388-9475B29A1A3F}"/>
+                <a16:creationId xmlns:a16="http://schemas.microsoft.com/office/drawing/2014/main" xmlns="" id="{5CC2F9AE-B5E6-41AA-B388-9475B29A1A3F}"/>
               </a:ext>
             </a:extLst>
           </p:cNvPr>
@@ -6568,7 +6683,7 @@
           <p:cNvPr id="7" name="Slayt Numarası Yer Tutucusu 6">
             <a:extLst>
               <a:ext uri="{FF2B5EF4-FFF2-40B4-BE49-F238E27FC236}">
-                <a16:creationId xmlns:a16="http://schemas.microsoft.com/office/drawing/2014/main" id="{B83F9B13-B52E-4864-AE58-0B33EC41D429}"/>
+                <a16:creationId xmlns:a16="http://schemas.microsoft.com/office/drawing/2014/main" xmlns="" id="{B83F9B13-B52E-4864-AE58-0B33EC41D429}"/>
               </a:ext>
             </a:extLst>
           </p:cNvPr>
@@ -6627,7 +6742,7 @@
           <p:cNvPr id="2" name="Unvan 1">
             <a:extLst>
               <a:ext uri="{FF2B5EF4-FFF2-40B4-BE49-F238E27FC236}">
-                <a16:creationId xmlns:a16="http://schemas.microsoft.com/office/drawing/2014/main" id="{E0582259-E66D-46D0-9A65-817FC5B58197}"/>
+                <a16:creationId xmlns:a16="http://schemas.microsoft.com/office/drawing/2014/main" xmlns="" id="{E0582259-E66D-46D0-9A65-817FC5B58197}"/>
               </a:ext>
             </a:extLst>
           </p:cNvPr>
@@ -6661,7 +6776,7 @@
           <p:cNvPr id="3" name="Metin Yer Tutucusu 2">
             <a:extLst>
               <a:ext uri="{FF2B5EF4-FFF2-40B4-BE49-F238E27FC236}">
-                <a16:creationId xmlns:a16="http://schemas.microsoft.com/office/drawing/2014/main" id="{2669CB0F-88FA-4AE2-99ED-6AAC9448D478}"/>
+                <a16:creationId xmlns:a16="http://schemas.microsoft.com/office/drawing/2014/main" xmlns="" id="{2669CB0F-88FA-4AE2-99ED-6AAC9448D478}"/>
               </a:ext>
             </a:extLst>
           </p:cNvPr>
@@ -6732,7 +6847,7 @@
           <p:cNvPr id="4" name="İçerik Yer Tutucusu 3">
             <a:extLst>
               <a:ext uri="{FF2B5EF4-FFF2-40B4-BE49-F238E27FC236}">
-                <a16:creationId xmlns:a16="http://schemas.microsoft.com/office/drawing/2014/main" id="{26AE507E-F66B-4BAD-8369-7F33835B9767}"/>
+                <a16:creationId xmlns:a16="http://schemas.microsoft.com/office/drawing/2014/main" xmlns="" id="{26AE507E-F66B-4BAD-8369-7F33835B9767}"/>
               </a:ext>
             </a:extLst>
           </p:cNvPr>
@@ -6795,7 +6910,7 @@
           <p:cNvPr id="5" name="Metin Yer Tutucusu 4">
             <a:extLst>
               <a:ext uri="{FF2B5EF4-FFF2-40B4-BE49-F238E27FC236}">
-                <a16:creationId xmlns:a16="http://schemas.microsoft.com/office/drawing/2014/main" id="{5CA46A59-AD9C-46E0-B56B-9D321D2C4F33}"/>
+                <a16:creationId xmlns:a16="http://schemas.microsoft.com/office/drawing/2014/main" xmlns="" id="{5CA46A59-AD9C-46E0-B56B-9D321D2C4F33}"/>
               </a:ext>
             </a:extLst>
           </p:cNvPr>
@@ -6866,7 +6981,7 @@
           <p:cNvPr id="6" name="İçerik Yer Tutucusu 5">
             <a:extLst>
               <a:ext uri="{FF2B5EF4-FFF2-40B4-BE49-F238E27FC236}">
-                <a16:creationId xmlns:a16="http://schemas.microsoft.com/office/drawing/2014/main" id="{1E67CBD9-FA2B-470D-A7B8-3F20199D4EB5}"/>
+                <a16:creationId xmlns:a16="http://schemas.microsoft.com/office/drawing/2014/main" xmlns="" id="{1E67CBD9-FA2B-470D-A7B8-3F20199D4EB5}"/>
               </a:ext>
             </a:extLst>
           </p:cNvPr>
@@ -6929,7 +7044,7 @@
           <p:cNvPr id="7" name="Veri Yer Tutucusu 6">
             <a:extLst>
               <a:ext uri="{FF2B5EF4-FFF2-40B4-BE49-F238E27FC236}">
-                <a16:creationId xmlns:a16="http://schemas.microsoft.com/office/drawing/2014/main" id="{1FEEE973-0A23-4A0A-BF91-B8E7F4AC65C4}"/>
+                <a16:creationId xmlns:a16="http://schemas.microsoft.com/office/drawing/2014/main" xmlns="" id="{1FEEE973-0A23-4A0A-BF91-B8E7F4AC65C4}"/>
               </a:ext>
             </a:extLst>
           </p:cNvPr>
@@ -6958,7 +7073,7 @@
           <p:cNvPr id="8" name="Alt Bilgi Yer Tutucusu 7">
             <a:extLst>
               <a:ext uri="{FF2B5EF4-FFF2-40B4-BE49-F238E27FC236}">
-                <a16:creationId xmlns:a16="http://schemas.microsoft.com/office/drawing/2014/main" id="{C00B43EB-388E-46E0-9BBE-51F3F56E8399}"/>
+                <a16:creationId xmlns:a16="http://schemas.microsoft.com/office/drawing/2014/main" xmlns="" id="{C00B43EB-388E-46E0-9BBE-51F3F56E8399}"/>
               </a:ext>
             </a:extLst>
           </p:cNvPr>
@@ -6983,7 +7098,7 @@
           <p:cNvPr id="9" name="Slayt Numarası Yer Tutucusu 8">
             <a:extLst>
               <a:ext uri="{FF2B5EF4-FFF2-40B4-BE49-F238E27FC236}">
-                <a16:creationId xmlns:a16="http://schemas.microsoft.com/office/drawing/2014/main" id="{50A987E2-F5CC-4330-9379-7CA8939A1D79}"/>
+                <a16:creationId xmlns:a16="http://schemas.microsoft.com/office/drawing/2014/main" xmlns="" id="{50A987E2-F5CC-4330-9379-7CA8939A1D79}"/>
               </a:ext>
             </a:extLst>
           </p:cNvPr>
@@ -7042,7 +7157,7 @@
           <p:cNvPr id="2" name="Unvan 1">
             <a:extLst>
               <a:ext uri="{FF2B5EF4-FFF2-40B4-BE49-F238E27FC236}">
-                <a16:creationId xmlns:a16="http://schemas.microsoft.com/office/drawing/2014/main" id="{547BB290-5308-4392-A316-BA0E73E26BAD}"/>
+                <a16:creationId xmlns:a16="http://schemas.microsoft.com/office/drawing/2014/main" xmlns="" id="{547BB290-5308-4392-A316-BA0E73E26BAD}"/>
               </a:ext>
             </a:extLst>
           </p:cNvPr>
@@ -7071,7 +7186,7 @@
           <p:cNvPr id="3" name="Veri Yer Tutucusu 2">
             <a:extLst>
               <a:ext uri="{FF2B5EF4-FFF2-40B4-BE49-F238E27FC236}">
-                <a16:creationId xmlns:a16="http://schemas.microsoft.com/office/drawing/2014/main" id="{8CEFA0A5-B01D-4FAE-A670-E2637B5CEA5E}"/>
+                <a16:creationId xmlns:a16="http://schemas.microsoft.com/office/drawing/2014/main" xmlns="" id="{8CEFA0A5-B01D-4FAE-A670-E2637B5CEA5E}"/>
               </a:ext>
             </a:extLst>
           </p:cNvPr>
@@ -7100,7 +7215,7 @@
           <p:cNvPr id="4" name="Alt Bilgi Yer Tutucusu 3">
             <a:extLst>
               <a:ext uri="{FF2B5EF4-FFF2-40B4-BE49-F238E27FC236}">
-                <a16:creationId xmlns:a16="http://schemas.microsoft.com/office/drawing/2014/main" id="{9C21E9D0-275E-4FEB-9E42-2590235AE6B5}"/>
+                <a16:creationId xmlns:a16="http://schemas.microsoft.com/office/drawing/2014/main" xmlns="" id="{9C21E9D0-275E-4FEB-9E42-2590235AE6B5}"/>
               </a:ext>
             </a:extLst>
           </p:cNvPr>
@@ -7125,7 +7240,7 @@
           <p:cNvPr id="5" name="Slayt Numarası Yer Tutucusu 4">
             <a:extLst>
               <a:ext uri="{FF2B5EF4-FFF2-40B4-BE49-F238E27FC236}">
-                <a16:creationId xmlns:a16="http://schemas.microsoft.com/office/drawing/2014/main" id="{13063114-F55E-4B48-ADB8-B36480455B1E}"/>
+                <a16:creationId xmlns:a16="http://schemas.microsoft.com/office/drawing/2014/main" xmlns="" id="{13063114-F55E-4B48-ADB8-B36480455B1E}"/>
               </a:ext>
             </a:extLst>
           </p:cNvPr>
@@ -7184,7 +7299,7 @@
           <p:cNvPr id="2" name="Veri Yer Tutucusu 1">
             <a:extLst>
               <a:ext uri="{FF2B5EF4-FFF2-40B4-BE49-F238E27FC236}">
-                <a16:creationId xmlns:a16="http://schemas.microsoft.com/office/drawing/2014/main" id="{456392B7-6085-43CD-A6B4-22121650A9AA}"/>
+                <a16:creationId xmlns:a16="http://schemas.microsoft.com/office/drawing/2014/main" xmlns="" id="{456392B7-6085-43CD-A6B4-22121650A9AA}"/>
               </a:ext>
             </a:extLst>
           </p:cNvPr>
@@ -7213,7 +7328,7 @@
           <p:cNvPr id="3" name="Alt Bilgi Yer Tutucusu 2">
             <a:extLst>
               <a:ext uri="{FF2B5EF4-FFF2-40B4-BE49-F238E27FC236}">
-                <a16:creationId xmlns:a16="http://schemas.microsoft.com/office/drawing/2014/main" id="{1EE766F7-61CF-460A-B202-A40D05F5E817}"/>
+                <a16:creationId xmlns:a16="http://schemas.microsoft.com/office/drawing/2014/main" xmlns="" id="{1EE766F7-61CF-460A-B202-A40D05F5E817}"/>
               </a:ext>
             </a:extLst>
           </p:cNvPr>
@@ -7238,7 +7353,7 @@
           <p:cNvPr id="4" name="Slayt Numarası Yer Tutucusu 3">
             <a:extLst>
               <a:ext uri="{FF2B5EF4-FFF2-40B4-BE49-F238E27FC236}">
-                <a16:creationId xmlns:a16="http://schemas.microsoft.com/office/drawing/2014/main" id="{F9041F1D-B418-4773-B6B9-B758FE210FF0}"/>
+                <a16:creationId xmlns:a16="http://schemas.microsoft.com/office/drawing/2014/main" xmlns="" id="{F9041F1D-B418-4773-B6B9-B758FE210FF0}"/>
               </a:ext>
             </a:extLst>
           </p:cNvPr>
@@ -7297,7 +7412,7 @@
           <p:cNvPr id="2" name="Unvan 1">
             <a:extLst>
               <a:ext uri="{FF2B5EF4-FFF2-40B4-BE49-F238E27FC236}">
-                <a16:creationId xmlns:a16="http://schemas.microsoft.com/office/drawing/2014/main" id="{347EC9F9-351D-4E97-8516-EFF46FCEE4E6}"/>
+                <a16:creationId xmlns:a16="http://schemas.microsoft.com/office/drawing/2014/main" xmlns="" id="{347EC9F9-351D-4E97-8516-EFF46FCEE4E6}"/>
               </a:ext>
             </a:extLst>
           </p:cNvPr>
@@ -7335,7 +7450,7 @@
           <p:cNvPr id="3" name="İçerik Yer Tutucusu 2">
             <a:extLst>
               <a:ext uri="{FF2B5EF4-FFF2-40B4-BE49-F238E27FC236}">
-                <a16:creationId xmlns:a16="http://schemas.microsoft.com/office/drawing/2014/main" id="{02309FAE-0B53-4CB4-BA5C-DB5D18A789C9}"/>
+                <a16:creationId xmlns:a16="http://schemas.microsoft.com/office/drawing/2014/main" xmlns="" id="{02309FAE-0B53-4CB4-BA5C-DB5D18A789C9}"/>
               </a:ext>
             </a:extLst>
           </p:cNvPr>
@@ -7426,7 +7541,7 @@
           <p:cNvPr id="4" name="Metin Yer Tutucusu 3">
             <a:extLst>
               <a:ext uri="{FF2B5EF4-FFF2-40B4-BE49-F238E27FC236}">
-                <a16:creationId xmlns:a16="http://schemas.microsoft.com/office/drawing/2014/main" id="{573E1475-1FAB-430F-A02B-578C5C723BE3}"/>
+                <a16:creationId xmlns:a16="http://schemas.microsoft.com/office/drawing/2014/main" xmlns="" id="{573E1475-1FAB-430F-A02B-578C5C723BE3}"/>
               </a:ext>
             </a:extLst>
           </p:cNvPr>
@@ -7497,7 +7612,7 @@
           <p:cNvPr id="5" name="Veri Yer Tutucusu 4">
             <a:extLst>
               <a:ext uri="{FF2B5EF4-FFF2-40B4-BE49-F238E27FC236}">
-                <a16:creationId xmlns:a16="http://schemas.microsoft.com/office/drawing/2014/main" id="{AD09EED9-34A2-4E0A-99B0-3A143C06F709}"/>
+                <a16:creationId xmlns:a16="http://schemas.microsoft.com/office/drawing/2014/main" xmlns="" id="{AD09EED9-34A2-4E0A-99B0-3A143C06F709}"/>
               </a:ext>
             </a:extLst>
           </p:cNvPr>
@@ -7526,7 +7641,7 @@
           <p:cNvPr id="6" name="Alt Bilgi Yer Tutucusu 5">
             <a:extLst>
               <a:ext uri="{FF2B5EF4-FFF2-40B4-BE49-F238E27FC236}">
-                <a16:creationId xmlns:a16="http://schemas.microsoft.com/office/drawing/2014/main" id="{08B31176-D1AA-437E-88C5-93F40DD9CB4A}"/>
+                <a16:creationId xmlns:a16="http://schemas.microsoft.com/office/drawing/2014/main" xmlns="" id="{08B31176-D1AA-437E-88C5-93F40DD9CB4A}"/>
               </a:ext>
             </a:extLst>
           </p:cNvPr>
@@ -7551,7 +7666,7 @@
           <p:cNvPr id="7" name="Slayt Numarası Yer Tutucusu 6">
             <a:extLst>
               <a:ext uri="{FF2B5EF4-FFF2-40B4-BE49-F238E27FC236}">
-                <a16:creationId xmlns:a16="http://schemas.microsoft.com/office/drawing/2014/main" id="{44783B3D-6A18-4006-B2A2-E449CC80301C}"/>
+                <a16:creationId xmlns:a16="http://schemas.microsoft.com/office/drawing/2014/main" xmlns="" id="{44783B3D-6A18-4006-B2A2-E449CC80301C}"/>
               </a:ext>
             </a:extLst>
           </p:cNvPr>
@@ -7610,7 +7725,7 @@
           <p:cNvPr id="2" name="Unvan 1">
             <a:extLst>
               <a:ext uri="{FF2B5EF4-FFF2-40B4-BE49-F238E27FC236}">
-                <a16:creationId xmlns:a16="http://schemas.microsoft.com/office/drawing/2014/main" id="{8D4D4897-ED69-4F4A-90A7-E3981CB71736}"/>
+                <a16:creationId xmlns:a16="http://schemas.microsoft.com/office/drawing/2014/main" xmlns="" id="{8D4D4897-ED69-4F4A-90A7-E3981CB71736}"/>
               </a:ext>
             </a:extLst>
           </p:cNvPr>
@@ -7648,7 +7763,7 @@
           <p:cNvPr id="3" name="Resim Yer Tutucusu 2">
             <a:extLst>
               <a:ext uri="{FF2B5EF4-FFF2-40B4-BE49-F238E27FC236}">
-                <a16:creationId xmlns:a16="http://schemas.microsoft.com/office/drawing/2014/main" id="{EE797CCB-62ED-4D82-B02F-5E631737DB63}"/>
+                <a16:creationId xmlns:a16="http://schemas.microsoft.com/office/drawing/2014/main" xmlns="" id="{EE797CCB-62ED-4D82-B02F-5E631737DB63}"/>
               </a:ext>
             </a:extLst>
           </p:cNvPr>
@@ -7715,7 +7830,7 @@
           <p:cNvPr id="4" name="Metin Yer Tutucusu 3">
             <a:extLst>
               <a:ext uri="{FF2B5EF4-FFF2-40B4-BE49-F238E27FC236}">
-                <a16:creationId xmlns:a16="http://schemas.microsoft.com/office/drawing/2014/main" id="{5A0D92BC-BBAA-4153-A887-7401615D37E0}"/>
+                <a16:creationId xmlns:a16="http://schemas.microsoft.com/office/drawing/2014/main" xmlns="" id="{5A0D92BC-BBAA-4153-A887-7401615D37E0}"/>
               </a:ext>
             </a:extLst>
           </p:cNvPr>
@@ -7786,7 +7901,7 @@
           <p:cNvPr id="5" name="Veri Yer Tutucusu 4">
             <a:extLst>
               <a:ext uri="{FF2B5EF4-FFF2-40B4-BE49-F238E27FC236}">
-                <a16:creationId xmlns:a16="http://schemas.microsoft.com/office/drawing/2014/main" id="{D2F7549E-0D54-4C76-9EEA-42DADE9FF1EF}"/>
+                <a16:creationId xmlns:a16="http://schemas.microsoft.com/office/drawing/2014/main" xmlns="" id="{D2F7549E-0D54-4C76-9EEA-42DADE9FF1EF}"/>
               </a:ext>
             </a:extLst>
           </p:cNvPr>
@@ -7815,7 +7930,7 @@
           <p:cNvPr id="6" name="Alt Bilgi Yer Tutucusu 5">
             <a:extLst>
               <a:ext uri="{FF2B5EF4-FFF2-40B4-BE49-F238E27FC236}">
-                <a16:creationId xmlns:a16="http://schemas.microsoft.com/office/drawing/2014/main" id="{980E3001-4ECB-415E-AA8C-65834F03570F}"/>
+                <a16:creationId xmlns:a16="http://schemas.microsoft.com/office/drawing/2014/main" xmlns="" id="{980E3001-4ECB-415E-AA8C-65834F03570F}"/>
               </a:ext>
             </a:extLst>
           </p:cNvPr>
@@ -7840,7 +7955,7 @@
           <p:cNvPr id="7" name="Slayt Numarası Yer Tutucusu 6">
             <a:extLst>
               <a:ext uri="{FF2B5EF4-FFF2-40B4-BE49-F238E27FC236}">
-                <a16:creationId xmlns:a16="http://schemas.microsoft.com/office/drawing/2014/main" id="{FB232D26-03F2-4FDF-A911-60F6D4F4FA40}"/>
+                <a16:creationId xmlns:a16="http://schemas.microsoft.com/office/drawing/2014/main" xmlns="" id="{FB232D26-03F2-4FDF-A911-60F6D4F4FA40}"/>
               </a:ext>
             </a:extLst>
           </p:cNvPr>
@@ -7904,7 +8019,7 @@
           <p:cNvPr id="2" name="Başlık Yer Tutucusu 1">
             <a:extLst>
               <a:ext uri="{FF2B5EF4-FFF2-40B4-BE49-F238E27FC236}">
-                <a16:creationId xmlns:a16="http://schemas.microsoft.com/office/drawing/2014/main" id="{34B537A3-C651-46C8-BB9F-21EDB8F027AD}"/>
+                <a16:creationId xmlns:a16="http://schemas.microsoft.com/office/drawing/2014/main" xmlns="" id="{34B537A3-C651-46C8-BB9F-21EDB8F027AD}"/>
               </a:ext>
             </a:extLst>
           </p:cNvPr>
@@ -7943,7 +8058,7 @@
           <p:cNvPr id="3" name="Metin Yer Tutucusu 2">
             <a:extLst>
               <a:ext uri="{FF2B5EF4-FFF2-40B4-BE49-F238E27FC236}">
-                <a16:creationId xmlns:a16="http://schemas.microsoft.com/office/drawing/2014/main" id="{821D05D0-1D1F-4F3A-81C6-780DF71EA2DF}"/>
+                <a16:creationId xmlns:a16="http://schemas.microsoft.com/office/drawing/2014/main" xmlns="" id="{821D05D0-1D1F-4F3A-81C6-780DF71EA2DF}"/>
               </a:ext>
             </a:extLst>
           </p:cNvPr>
@@ -8011,7 +8126,7 @@
           <p:cNvPr id="4" name="Veri Yer Tutucusu 3">
             <a:extLst>
               <a:ext uri="{FF2B5EF4-FFF2-40B4-BE49-F238E27FC236}">
-                <a16:creationId xmlns:a16="http://schemas.microsoft.com/office/drawing/2014/main" id="{A601B628-647F-4E21-99C0-AF2BD3707985}"/>
+                <a16:creationId xmlns:a16="http://schemas.microsoft.com/office/drawing/2014/main" xmlns="" id="{A601B628-647F-4E21-99C0-AF2BD3707985}"/>
               </a:ext>
             </a:extLst>
           </p:cNvPr>
@@ -8058,7 +8173,7 @@
           <p:cNvPr id="5" name="Alt Bilgi Yer Tutucusu 4">
             <a:extLst>
               <a:ext uri="{FF2B5EF4-FFF2-40B4-BE49-F238E27FC236}">
-                <a16:creationId xmlns:a16="http://schemas.microsoft.com/office/drawing/2014/main" id="{2CAFB894-A92B-478F-97F6-47B3EEE3F232}"/>
+                <a16:creationId xmlns:a16="http://schemas.microsoft.com/office/drawing/2014/main" xmlns="" id="{2CAFB894-A92B-478F-97F6-47B3EEE3F232}"/>
               </a:ext>
             </a:extLst>
           </p:cNvPr>
@@ -8101,7 +8216,7 @@
           <p:cNvPr id="6" name="Slayt Numarası Yer Tutucusu 5">
             <a:extLst>
               <a:ext uri="{FF2B5EF4-FFF2-40B4-BE49-F238E27FC236}">
-                <a16:creationId xmlns:a16="http://schemas.microsoft.com/office/drawing/2014/main" id="{8C3F9AFF-2275-46E7-BF2C-BDE4B831E587}"/>
+                <a16:creationId xmlns:a16="http://schemas.microsoft.com/office/drawing/2014/main" xmlns="" id="{8C3F9AFF-2275-46E7-BF2C-BDE4B831E587}"/>
               </a:ext>
             </a:extLst>
           </p:cNvPr>
@@ -8469,7 +8584,7 @@
           <p:cNvPr id="5" name="Resim 4">
             <a:extLst>
               <a:ext uri="{FF2B5EF4-FFF2-40B4-BE49-F238E27FC236}">
-                <a16:creationId xmlns:a16="http://schemas.microsoft.com/office/drawing/2014/main" id="{F0484DDC-7BBE-4A92-AA58-CAC5A7878CF1}"/>
+                <a16:creationId xmlns:a16="http://schemas.microsoft.com/office/drawing/2014/main" xmlns="" id="{F0484DDC-7BBE-4A92-AA58-CAC5A7878CF1}"/>
               </a:ext>
             </a:extLst>
           </p:cNvPr>
@@ -8505,7 +8620,7 @@
           <p:cNvPr id="6" name="Picture 2" descr="https://lh5.googleusercontent.com/YzR2oevrwhcz85nqXx9ncoHB2SEwMBXqlY8Xp1l2VSs8cuq5X2HewkE7hsMvsxTAkFeJpNm2xSWW2tLtfXxuDWn0R1B5pd2KpqjGszQ77HShLpwLE5LQ39RDjGpc9K_h-CEMw1EpO_M">
             <a:extLst>
               <a:ext uri="{FF2B5EF4-FFF2-40B4-BE49-F238E27FC236}">
-                <a16:creationId xmlns:a16="http://schemas.microsoft.com/office/drawing/2014/main" id="{1D9169A1-9F86-4EB0-BFE5-32BA4ACD0B50}"/>
+                <a16:creationId xmlns:a16="http://schemas.microsoft.com/office/drawing/2014/main" xmlns="" id="{1D9169A1-9F86-4EB0-BFE5-32BA4ACD0B50}"/>
               </a:ext>
             </a:extLst>
           </p:cNvPr>
@@ -8552,7 +8667,7 @@
           <p:cNvPr id="9" name="Dikdörtgen 8">
             <a:extLst>
               <a:ext uri="{FF2B5EF4-FFF2-40B4-BE49-F238E27FC236}">
-                <a16:creationId xmlns:a16="http://schemas.microsoft.com/office/drawing/2014/main" id="{F42A23C6-A59C-4CDD-A51C-B5BB15CC763E}"/>
+                <a16:creationId xmlns:a16="http://schemas.microsoft.com/office/drawing/2014/main" xmlns="" id="{F42A23C6-A59C-4CDD-A51C-B5BB15CC763E}"/>
               </a:ext>
             </a:extLst>
           </p:cNvPr>
@@ -8642,7 +8757,7 @@
           <p:cNvPr id="2" name="Unvan 1">
             <a:extLst>
               <a:ext uri="{FF2B5EF4-FFF2-40B4-BE49-F238E27FC236}">
-                <a16:creationId xmlns:a16="http://schemas.microsoft.com/office/drawing/2014/main" id="{EEB38AE6-A0C9-4D37-8F3E-D1C3F4CB7591}"/>
+                <a16:creationId xmlns:a16="http://schemas.microsoft.com/office/drawing/2014/main" xmlns="" id="{EEB38AE6-A0C9-4D37-8F3E-D1C3F4CB7591}"/>
               </a:ext>
             </a:extLst>
           </p:cNvPr>
@@ -8703,7 +8818,7 @@
           <p:cNvPr id="3" name="İçerik Yer Tutucusu 2">
             <a:extLst>
               <a:ext uri="{FF2B5EF4-FFF2-40B4-BE49-F238E27FC236}">
-                <a16:creationId xmlns:a16="http://schemas.microsoft.com/office/drawing/2014/main" id="{57A50391-F84B-4172-8424-1407F4421EE0}"/>
+                <a16:creationId xmlns:a16="http://schemas.microsoft.com/office/drawing/2014/main" xmlns="" id="{57A50391-F84B-4172-8424-1407F4421EE0}"/>
               </a:ext>
             </a:extLst>
           </p:cNvPr>
@@ -9594,7 +9709,7 @@
           <p:cNvPr id="2" name="Unvan 1">
             <a:extLst>
               <a:ext uri="{FF2B5EF4-FFF2-40B4-BE49-F238E27FC236}">
-                <a16:creationId xmlns:a16="http://schemas.microsoft.com/office/drawing/2014/main" id="{47ADBC36-5277-4EFF-AE38-8791389B8D41}"/>
+                <a16:creationId xmlns:a16="http://schemas.microsoft.com/office/drawing/2014/main" xmlns="" id="{47ADBC36-5277-4EFF-AE38-8791389B8D41}"/>
               </a:ext>
             </a:extLst>
           </p:cNvPr>
@@ -9619,6 +9734,10 @@
               <a:rPr lang="tr-TR" b="1" dirty="0"/>
               <a:t>ÖZKARA</a:t>
             </a:r>
+            <a:r>
+              <a:rPr lang="en-US" b="1" dirty="0"/>
+              <a:t/>
+            </a:r>
             <a:br>
               <a:rPr lang="en-US" b="1" dirty="0"/>
             </a:br>
@@ -9635,7 +9754,7 @@
           <p:cNvPr id="6" name="İçerik Yer Tutucusu 5">
             <a:extLst>
               <a:ext uri="{FF2B5EF4-FFF2-40B4-BE49-F238E27FC236}">
-                <a16:creationId xmlns:a16="http://schemas.microsoft.com/office/drawing/2014/main" id="{720A2F19-6F5E-4229-897C-43E9480EF540}"/>
+                <a16:creationId xmlns:a16="http://schemas.microsoft.com/office/drawing/2014/main" xmlns="" id="{720A2F19-6F5E-4229-897C-43E9480EF540}"/>
               </a:ext>
             </a:extLst>
           </p:cNvPr>
@@ -9647,7 +9766,7 @@
           </p:nvPr>
         </p:nvPicPr>
         <p:blipFill>
-          <a:blip r:embed="rId2">
+          <a:blip r:embed="rId2" cstate="print">
             <a:extLst>
               <a:ext uri="{28A0092B-C50C-407E-A947-70E740481C1C}">
                 <a14:useLocalDpi xmlns:a14="http://schemas.microsoft.com/office/drawing/2010/main" val="0"/>
@@ -9697,7 +9816,7 @@
           <p:cNvPr id="4" name="Resim 3">
             <a:extLst>
               <a:ext uri="{FF2B5EF4-FFF2-40B4-BE49-F238E27FC236}">
-                <a16:creationId xmlns:a16="http://schemas.microsoft.com/office/drawing/2014/main" id="{77D5D1C2-FAF4-424A-8EBA-C88AB557596E}"/>
+                <a16:creationId xmlns:a16="http://schemas.microsoft.com/office/drawing/2014/main" xmlns="" id="{77D5D1C2-FAF4-424A-8EBA-C88AB557596E}"/>
               </a:ext>
             </a:extLst>
           </p:cNvPr>
@@ -9763,7 +9882,7 @@
           <p:cNvPr id="2" name="Unvan 1">
             <a:extLst>
               <a:ext uri="{FF2B5EF4-FFF2-40B4-BE49-F238E27FC236}">
-                <a16:creationId xmlns:a16="http://schemas.microsoft.com/office/drawing/2014/main" id="{47ADBC36-5277-4EFF-AE38-8791389B8D41}"/>
+                <a16:creationId xmlns:a16="http://schemas.microsoft.com/office/drawing/2014/main" xmlns="" id="{47ADBC36-5277-4EFF-AE38-8791389B8D41}"/>
               </a:ext>
             </a:extLst>
           </p:cNvPr>
@@ -9864,7 +9983,7 @@
           <p:cNvPr id="3" name="İçerik Yer Tutucusu 2">
             <a:extLst>
               <a:ext uri="{FF2B5EF4-FFF2-40B4-BE49-F238E27FC236}">
-                <a16:creationId xmlns:a16="http://schemas.microsoft.com/office/drawing/2014/main" id="{7FC0CAE0-9CE1-4889-B203-4204849094A3}"/>
+                <a16:creationId xmlns:a16="http://schemas.microsoft.com/office/drawing/2014/main" xmlns="" id="{7FC0CAE0-9CE1-4889-B203-4204849094A3}"/>
               </a:ext>
             </a:extLst>
           </p:cNvPr>
@@ -9887,9 +10006,41 @@
           </a:p>
           <a:p>
             <a:r>
-              <a:rPr lang="en-GB" dirty="0"/>
+              <a:rPr lang="en-GB" dirty="0" smtClean="0"/>
               <a:t>Introduction</a:t>
             </a:r>
+            <a:endParaRPr lang="tr-TR" dirty="0" smtClean="0"/>
+          </a:p>
+          <a:p>
+            <a:r>
+              <a:rPr lang="tr-TR" dirty="0" smtClean="0"/>
+              <a:t>Overall Block Diagram</a:t>
+            </a:r>
+          </a:p>
+          <a:p>
+            <a:r>
+              <a:rPr lang="tr-TR" dirty="0" smtClean="0"/>
+              <a:t>System Level Flowchart</a:t>
+            </a:r>
+          </a:p>
+          <a:p>
+            <a:r>
+              <a:rPr lang="tr-TR" dirty="0" smtClean="0"/>
+              <a:t>Power Supply Unit</a:t>
+            </a:r>
+          </a:p>
+          <a:p>
+            <a:r>
+              <a:rPr lang="tr-TR" dirty="0" smtClean="0"/>
+              <a:t>Video Transmission</a:t>
+            </a:r>
+          </a:p>
+          <a:p>
+            <a:r>
+              <a:rPr lang="tr-TR" smtClean="0"/>
+              <a:t>Command Transmission</a:t>
+            </a:r>
+            <a:endParaRPr lang="en-GB" dirty="0"/>
           </a:p>
           <a:p>
             <a:pPr marL="0" indent="0">
@@ -9904,7 +10055,7 @@
           <p:cNvPr id="4" name="Resim 3">
             <a:extLst>
               <a:ext uri="{FF2B5EF4-FFF2-40B4-BE49-F238E27FC236}">
-                <a16:creationId xmlns:a16="http://schemas.microsoft.com/office/drawing/2014/main" id="{77D5D1C2-FAF4-424A-8EBA-C88AB557596E}"/>
+                <a16:creationId xmlns:a16="http://schemas.microsoft.com/office/drawing/2014/main" xmlns="" id="{77D5D1C2-FAF4-424A-8EBA-C88AB557596E}"/>
               </a:ext>
             </a:extLst>
           </p:cNvPr>
@@ -9970,7 +10121,7 @@
           <p:cNvPr id="3" name="İçerik Yer Tutucusu 2">
             <a:extLst>
               <a:ext uri="{FF2B5EF4-FFF2-40B4-BE49-F238E27FC236}">
-                <a16:creationId xmlns:a16="http://schemas.microsoft.com/office/drawing/2014/main" id="{7FC0CAE0-9CE1-4889-B203-4204849094A3}"/>
+                <a16:creationId xmlns:a16="http://schemas.microsoft.com/office/drawing/2014/main" xmlns="" id="{7FC0CAE0-9CE1-4889-B203-4204849094A3}"/>
               </a:ext>
             </a:extLst>
           </p:cNvPr>
@@ -10011,7 +10162,7 @@
           <p:cNvPr id="4" name="Resim 3">
             <a:extLst>
               <a:ext uri="{FF2B5EF4-FFF2-40B4-BE49-F238E27FC236}">
-                <a16:creationId xmlns:a16="http://schemas.microsoft.com/office/drawing/2014/main" id="{77D5D1C2-FAF4-424A-8EBA-C88AB557596E}"/>
+                <a16:creationId xmlns:a16="http://schemas.microsoft.com/office/drawing/2014/main" xmlns="" id="{77D5D1C2-FAF4-424A-8EBA-C88AB557596E}"/>
               </a:ext>
             </a:extLst>
           </p:cNvPr>
@@ -10077,7 +10228,7 @@
           <p:cNvPr id="2" name="Unvan 1">
             <a:extLst>
               <a:ext uri="{FF2B5EF4-FFF2-40B4-BE49-F238E27FC236}">
-                <a16:creationId xmlns:a16="http://schemas.microsoft.com/office/drawing/2014/main" id="{B8D21F9B-C518-4724-A100-6ED05F22312E}"/>
+                <a16:creationId xmlns:a16="http://schemas.microsoft.com/office/drawing/2014/main" xmlns="" id="{B8D21F9B-C518-4724-A100-6ED05F22312E}"/>
               </a:ext>
             </a:extLst>
           </p:cNvPr>
@@ -10162,7 +10313,7 @@
           <p:cNvPr id="6" name="İçerik Yer Tutucusu 5">
             <a:extLst>
               <a:ext uri="{FF2B5EF4-FFF2-40B4-BE49-F238E27FC236}">
-                <a16:creationId xmlns:a16="http://schemas.microsoft.com/office/drawing/2014/main" id="{58912495-6664-4DEA-9C3F-53EA66726EE3}"/>
+                <a16:creationId xmlns:a16="http://schemas.microsoft.com/office/drawing/2014/main" xmlns="" id="{58912495-6664-4DEA-9C3F-53EA66726EE3}"/>
               </a:ext>
             </a:extLst>
           </p:cNvPr>
@@ -10218,7 +10369,7 @@
           <p:cNvPr id="2" name="Unvan 1">
             <a:extLst>
               <a:ext uri="{FF2B5EF4-FFF2-40B4-BE49-F238E27FC236}">
-                <a16:creationId xmlns:a16="http://schemas.microsoft.com/office/drawing/2014/main" id="{47ADBC36-5277-4EFF-AE38-8791389B8D41}"/>
+                <a16:creationId xmlns:a16="http://schemas.microsoft.com/office/drawing/2014/main" xmlns="" id="{47ADBC36-5277-4EFF-AE38-8791389B8D41}"/>
               </a:ext>
             </a:extLst>
           </p:cNvPr>
@@ -10327,7 +10478,7 @@
           <p:cNvPr id="3" name="İçerik Yer Tutucusu 2">
             <a:extLst>
               <a:ext uri="{FF2B5EF4-FFF2-40B4-BE49-F238E27FC236}">
-                <a16:creationId xmlns:a16="http://schemas.microsoft.com/office/drawing/2014/main" id="{7FC0CAE0-9CE1-4889-B203-4204849094A3}"/>
+                <a16:creationId xmlns:a16="http://schemas.microsoft.com/office/drawing/2014/main" xmlns="" id="{7FC0CAE0-9CE1-4889-B203-4204849094A3}"/>
               </a:ext>
             </a:extLst>
           </p:cNvPr>
@@ -10380,7 +10531,7 @@
           <p:cNvPr id="4" name="Resim 3">
             <a:extLst>
               <a:ext uri="{FF2B5EF4-FFF2-40B4-BE49-F238E27FC236}">
-                <a16:creationId xmlns:a16="http://schemas.microsoft.com/office/drawing/2014/main" id="{77D5D1C2-FAF4-424A-8EBA-C88AB557596E}"/>
+                <a16:creationId xmlns:a16="http://schemas.microsoft.com/office/drawing/2014/main" xmlns="" id="{77D5D1C2-FAF4-424A-8EBA-C88AB557596E}"/>
               </a:ext>
             </a:extLst>
           </p:cNvPr>
@@ -10446,7 +10597,7 @@
           <p:cNvPr id="2" name="Unvan 1">
             <a:extLst>
               <a:ext uri="{FF2B5EF4-FFF2-40B4-BE49-F238E27FC236}">
-                <a16:creationId xmlns:a16="http://schemas.microsoft.com/office/drawing/2014/main" id="{4D173B3A-91B9-4774-B2D8-E81A2744EFDD}"/>
+                <a16:creationId xmlns:a16="http://schemas.microsoft.com/office/drawing/2014/main" xmlns="" id="{4D173B3A-91B9-4774-B2D8-E81A2744EFDD}"/>
               </a:ext>
             </a:extLst>
           </p:cNvPr>
@@ -10479,7 +10630,7 @@
           <p:cNvPr id="5" name="İçerik Yer Tutucusu 4">
             <a:extLst>
               <a:ext uri="{FF2B5EF4-FFF2-40B4-BE49-F238E27FC236}">
-                <a16:creationId xmlns:a16="http://schemas.microsoft.com/office/drawing/2014/main" id="{85EA595A-96D1-49D6-BFEB-F3F975DA95DD}"/>
+                <a16:creationId xmlns:a16="http://schemas.microsoft.com/office/drawing/2014/main" xmlns="" id="{85EA595A-96D1-49D6-BFEB-F3F975DA95DD}"/>
               </a:ext>
             </a:extLst>
           </p:cNvPr>
@@ -10544,7 +10695,7 @@
           <p:cNvPr id="3" name="İçerik Yer Tutucusu 2">
             <a:extLst>
               <a:ext uri="{FF2B5EF4-FFF2-40B4-BE49-F238E27FC236}">
-                <a16:creationId xmlns:a16="http://schemas.microsoft.com/office/drawing/2014/main" id="{7FC0CAE0-9CE1-4889-B203-4204849094A3}"/>
+                <a16:creationId xmlns:a16="http://schemas.microsoft.com/office/drawing/2014/main" xmlns="" id="{7FC0CAE0-9CE1-4889-B203-4204849094A3}"/>
               </a:ext>
             </a:extLst>
           </p:cNvPr>
@@ -10585,7 +10736,7 @@
           <p:cNvPr id="4" name="Resim 3">
             <a:extLst>
               <a:ext uri="{FF2B5EF4-FFF2-40B4-BE49-F238E27FC236}">
-                <a16:creationId xmlns:a16="http://schemas.microsoft.com/office/drawing/2014/main" id="{77D5D1C2-FAF4-424A-8EBA-C88AB557596E}"/>
+                <a16:creationId xmlns:a16="http://schemas.microsoft.com/office/drawing/2014/main" xmlns="" id="{77D5D1C2-FAF4-424A-8EBA-C88AB557596E}"/>
               </a:ext>
             </a:extLst>
           </p:cNvPr>
@@ -10651,7 +10802,7 @@
           <p:cNvPr id="2" name="Unvan 1">
             <a:extLst>
               <a:ext uri="{FF2B5EF4-FFF2-40B4-BE49-F238E27FC236}">
-                <a16:creationId xmlns:a16="http://schemas.microsoft.com/office/drawing/2014/main" id="{47ADBC36-5277-4EFF-AE38-8791389B8D41}"/>
+                <a16:creationId xmlns:a16="http://schemas.microsoft.com/office/drawing/2014/main" xmlns="" id="{47ADBC36-5277-4EFF-AE38-8791389B8D41}"/>
               </a:ext>
             </a:extLst>
           </p:cNvPr>
@@ -10681,7 +10832,7 @@
           <p:cNvPr id="3" name="İçerik Yer Tutucusu 2">
             <a:extLst>
               <a:ext uri="{FF2B5EF4-FFF2-40B4-BE49-F238E27FC236}">
-                <a16:creationId xmlns:a16="http://schemas.microsoft.com/office/drawing/2014/main" id="{7FC0CAE0-9CE1-4889-B203-4204849094A3}"/>
+                <a16:creationId xmlns:a16="http://schemas.microsoft.com/office/drawing/2014/main" xmlns="" id="{7FC0CAE0-9CE1-4889-B203-4204849094A3}"/>
               </a:ext>
             </a:extLst>
           </p:cNvPr>
@@ -10730,7 +10881,7 @@
           <p:cNvPr id="4" name="Resim 3">
             <a:extLst>
               <a:ext uri="{FF2B5EF4-FFF2-40B4-BE49-F238E27FC236}">
-                <a16:creationId xmlns:a16="http://schemas.microsoft.com/office/drawing/2014/main" id="{77D5D1C2-FAF4-424A-8EBA-C88AB557596E}"/>
+                <a16:creationId xmlns:a16="http://schemas.microsoft.com/office/drawing/2014/main" xmlns="" id="{77D5D1C2-FAF4-424A-8EBA-C88AB557596E}"/>
               </a:ext>
             </a:extLst>
           </p:cNvPr>
